--- a/session05/Session 05 - 2D Graphics, Polar Coordinates.pptx
+++ b/session05/Session 05 - 2D Graphics, Polar Coordinates.pptx
@@ -43,9 +43,9 @@
     <p:sldId id="280" r:id="rId31"/>
     <p:sldId id="282" r:id="rId32"/>
     <p:sldId id="281" r:id="rId33"/>
-    <p:sldId id="283" r:id="rId34"/>
+    <p:sldId id="353" r:id="rId34"/>
     <p:sldId id="351" r:id="rId35"/>
-    <p:sldId id="350" r:id="rId36"/>
+    <p:sldId id="354" r:id="rId36"/>
     <p:sldId id="284" r:id="rId37"/>
     <p:sldId id="285" r:id="rId38"/>
     <p:sldId id="286" r:id="rId39"/>
@@ -160,6 +160,14 @@
 </p:presentation>
 </file>
 
+<file path=ppt/revisionInfo.xml><?xml version="1.0" encoding="utf-8"?>
+<p1510:revInfo xmlns:a="http://schemas.openxmlformats.org/drawingml/2006/main" xmlns:r="http://schemas.openxmlformats.org/officeDocument/2006/relationships" xmlns:p1510="http://schemas.microsoft.com/office/powerpoint/2015/10/main">
+  <p1510:revLst>
+    <p1510:client id="{65BA9549-A185-40C6-B02B-A43360A6F6C8}" v="24" dt="2020-06-03T02:24:37.068"/>
+  </p1510:revLst>
+</p1510:revInfo>
+</file>
+
 <file path=ppt/changesInfos/changesInfo1.xml><?xml version="1.0" encoding="utf-8"?>
 <pc:chgInfo xmlns:a="http://schemas.openxmlformats.org/drawingml/2006/main" xmlns:r="http://schemas.openxmlformats.org/officeDocument/2006/relationships" xmlns:ac="http://schemas.microsoft.com/office/drawing/2013/main/command" xmlns:pc="http://schemas.microsoft.com/office/powerpoint/2013/main/command">
   <pc:docChgLst>
@@ -183,6 +191,159 @@
             <ac:spMk id="3" creationId="{00000000-0000-0000-0000-000000000000}"/>
           </ac:spMkLst>
         </pc:spChg>
+      </pc:sldChg>
+    </pc:docChg>
+  </pc:docChgLst>
+  <pc:docChgLst>
+    <pc:chgData name="Biersach, David" userId="14a9feb0-85a7-4da4-be8a-c1e22b637acc" providerId="ADAL" clId="{65BA9549-A185-40C6-B02B-A43360A6F6C8}"/>
+    <pc:docChg chg="undo custSel addSld delSld modSld">
+      <pc:chgData name="Biersach, David" userId="14a9feb0-85a7-4da4-be8a-c1e22b637acc" providerId="ADAL" clId="{65BA9549-A185-40C6-B02B-A43360A6F6C8}" dt="2020-06-03T02:24:37.068" v="158"/>
+      <pc:docMkLst>
+        <pc:docMk/>
+      </pc:docMkLst>
+      <pc:sldChg chg="modSp">
+        <pc:chgData name="Biersach, David" userId="14a9feb0-85a7-4da4-be8a-c1e22b637acc" providerId="ADAL" clId="{65BA9549-A185-40C6-B02B-A43360A6F6C8}" dt="2020-06-03T02:18:51.117" v="7" actId="207"/>
+        <pc:sldMkLst>
+          <pc:docMk/>
+          <pc:sldMk cId="2968367557" sldId="272"/>
+        </pc:sldMkLst>
+        <pc:spChg chg="mod">
+          <ac:chgData name="Biersach, David" userId="14a9feb0-85a7-4da4-be8a-c1e22b637acc" providerId="ADAL" clId="{65BA9549-A185-40C6-B02B-A43360A6F6C8}" dt="2020-06-03T02:18:51.117" v="7" actId="207"/>
+          <ac:spMkLst>
+            <pc:docMk/>
+            <pc:sldMk cId="2968367557" sldId="272"/>
+            <ac:spMk id="2" creationId="{00000000-0000-0000-0000-000000000000}"/>
+          </ac:spMkLst>
+        </pc:spChg>
+      </pc:sldChg>
+      <pc:sldChg chg="modSp">
+        <pc:chgData name="Biersach, David" userId="14a9feb0-85a7-4da4-be8a-c1e22b637acc" providerId="ADAL" clId="{65BA9549-A185-40C6-B02B-A43360A6F6C8}" dt="2020-06-03T02:24:21.365" v="156" actId="20577"/>
+        <pc:sldMkLst>
+          <pc:docMk/>
+          <pc:sldMk cId="1123681150" sldId="273"/>
+        </pc:sldMkLst>
+        <pc:spChg chg="mod">
+          <ac:chgData name="Biersach, David" userId="14a9feb0-85a7-4da4-be8a-c1e22b637acc" providerId="ADAL" clId="{65BA9549-A185-40C6-B02B-A43360A6F6C8}" dt="2020-06-03T02:22:11.641" v="99" actId="6549"/>
+          <ac:spMkLst>
+            <pc:docMk/>
+            <pc:sldMk cId="1123681150" sldId="273"/>
+            <ac:spMk id="2" creationId="{00000000-0000-0000-0000-000000000000}"/>
+          </ac:spMkLst>
+        </pc:spChg>
+        <pc:spChg chg="mod">
+          <ac:chgData name="Biersach, David" userId="14a9feb0-85a7-4da4-be8a-c1e22b637acc" providerId="ADAL" clId="{65BA9549-A185-40C6-B02B-A43360A6F6C8}" dt="2020-06-03T02:24:21.365" v="156" actId="20577"/>
+          <ac:spMkLst>
+            <pc:docMk/>
+            <pc:sldMk cId="1123681150" sldId="273"/>
+            <ac:spMk id="3" creationId="{00000000-0000-0000-0000-000000000000}"/>
+          </ac:spMkLst>
+        </pc:spChg>
+      </pc:sldChg>
+      <pc:sldChg chg="addSp delSp modSp">
+        <pc:chgData name="Biersach, David" userId="14a9feb0-85a7-4da4-be8a-c1e22b637acc" providerId="ADAL" clId="{65BA9549-A185-40C6-B02B-A43360A6F6C8}" dt="2020-06-03T02:24:37.068" v="158"/>
+        <pc:sldMkLst>
+          <pc:docMk/>
+          <pc:sldMk cId="2939413583" sldId="345"/>
+        </pc:sldMkLst>
+        <pc:spChg chg="del">
+          <ac:chgData name="Biersach, David" userId="14a9feb0-85a7-4da4-be8a-c1e22b637acc" providerId="ADAL" clId="{65BA9549-A185-40C6-B02B-A43360A6F6C8}" dt="2020-06-03T02:23:32.566" v="105" actId="478"/>
+          <ac:spMkLst>
+            <pc:docMk/>
+            <pc:sldMk cId="2939413583" sldId="345"/>
+            <ac:spMk id="3" creationId="{00000000-0000-0000-0000-000000000000}"/>
+          </ac:spMkLst>
+        </pc:spChg>
+        <pc:spChg chg="add mod">
+          <ac:chgData name="Biersach, David" userId="14a9feb0-85a7-4da4-be8a-c1e22b637acc" providerId="ADAL" clId="{65BA9549-A185-40C6-B02B-A43360A6F6C8}" dt="2020-06-03T02:24:37.068" v="158"/>
+          <ac:spMkLst>
+            <pc:docMk/>
+            <pc:sldMk cId="2939413583" sldId="345"/>
+            <ac:spMk id="8" creationId="{4718557C-3043-4159-A717-491D447BBE47}"/>
+          </ac:spMkLst>
+        </pc:spChg>
+        <pc:spChg chg="add del mod">
+          <ac:chgData name="Biersach, David" userId="14a9feb0-85a7-4da4-be8a-c1e22b637acc" providerId="ADAL" clId="{65BA9549-A185-40C6-B02B-A43360A6F6C8}" dt="2020-06-03T02:23:41.858" v="106" actId="478"/>
+          <ac:spMkLst>
+            <pc:docMk/>
+            <pc:sldMk cId="2939413583" sldId="345"/>
+            <ac:spMk id="10" creationId="{3E587B44-D858-41C1-852B-D93AA50A1D7B}"/>
+          </ac:spMkLst>
+        </pc:spChg>
+      </pc:sldChg>
+      <pc:sldChg chg="addSp delSp modSp">
+        <pc:chgData name="Biersach, David" userId="14a9feb0-85a7-4da4-be8a-c1e22b637acc" providerId="ADAL" clId="{65BA9549-A185-40C6-B02B-A43360A6F6C8}" dt="2020-06-03T02:24:34.644" v="157"/>
+        <pc:sldMkLst>
+          <pc:docMk/>
+          <pc:sldMk cId="3598551946" sldId="347"/>
+        </pc:sldMkLst>
+        <pc:spChg chg="del">
+          <ac:chgData name="Biersach, David" userId="14a9feb0-85a7-4da4-be8a-c1e22b637acc" providerId="ADAL" clId="{65BA9549-A185-40C6-B02B-A43360A6F6C8}" dt="2020-06-03T02:23:13.249" v="101" actId="478"/>
+          <ac:spMkLst>
+            <pc:docMk/>
+            <pc:sldMk cId="3598551946" sldId="347"/>
+            <ac:spMk id="3" creationId="{00000000-0000-0000-0000-000000000000}"/>
+          </ac:spMkLst>
+        </pc:spChg>
+        <pc:spChg chg="add del mod">
+          <ac:chgData name="Biersach, David" userId="14a9feb0-85a7-4da4-be8a-c1e22b637acc" providerId="ADAL" clId="{65BA9549-A185-40C6-B02B-A43360A6F6C8}" dt="2020-06-03T02:23:15.219" v="102" actId="478"/>
+          <ac:spMkLst>
+            <pc:docMk/>
+            <pc:sldMk cId="3598551946" sldId="347"/>
+            <ac:spMk id="11" creationId="{0303473C-38EA-41B3-B8A6-B31F57C0AB9B}"/>
+          </ac:spMkLst>
+        </pc:spChg>
+        <pc:spChg chg="add mod">
+          <ac:chgData name="Biersach, David" userId="14a9feb0-85a7-4da4-be8a-c1e22b637acc" providerId="ADAL" clId="{65BA9549-A185-40C6-B02B-A43360A6F6C8}" dt="2020-06-03T02:24:34.644" v="157"/>
+          <ac:spMkLst>
+            <pc:docMk/>
+            <pc:sldMk cId="3598551946" sldId="347"/>
+            <ac:spMk id="12" creationId="{9729920F-C70E-4BFE-A817-A16DDEFF2D3C}"/>
+          </ac:spMkLst>
+        </pc:spChg>
+      </pc:sldChg>
+      <pc:sldChg chg="modAnim">
+        <pc:chgData name="Biersach, David" userId="14a9feb0-85a7-4da4-be8a-c1e22b637acc" providerId="ADAL" clId="{65BA9549-A185-40C6-B02B-A43360A6F6C8}" dt="2020-06-03T02:18:24.288" v="2"/>
+        <pc:sldMkLst>
+          <pc:docMk/>
+          <pc:sldMk cId="3878074447" sldId="348"/>
+        </pc:sldMkLst>
+      </pc:sldChg>
+      <pc:sldChg chg="modSp modAnim">
+        <pc:chgData name="Biersach, David" userId="14a9feb0-85a7-4da4-be8a-c1e22b637acc" providerId="ADAL" clId="{65BA9549-A185-40C6-B02B-A43360A6F6C8}" dt="2020-06-03T02:20:02.827" v="28"/>
+        <pc:sldMkLst>
+          <pc:docMk/>
+          <pc:sldMk cId="3651902698" sldId="349"/>
+        </pc:sldMkLst>
+        <pc:spChg chg="mod">
+          <ac:chgData name="Biersach, David" userId="14a9feb0-85a7-4da4-be8a-c1e22b637acc" providerId="ADAL" clId="{65BA9549-A185-40C6-B02B-A43360A6F6C8}" dt="2020-06-03T02:19:01.553" v="17" actId="207"/>
+          <ac:spMkLst>
+            <pc:docMk/>
+            <pc:sldMk cId="3651902698" sldId="349"/>
+            <ac:spMk id="2" creationId="{00000000-0000-0000-0000-000000000000}"/>
+          </ac:spMkLst>
+        </pc:spChg>
+      </pc:sldChg>
+      <pc:sldChg chg="modSp">
+        <pc:chgData name="Biersach, David" userId="14a9feb0-85a7-4da4-be8a-c1e22b637acc" providerId="ADAL" clId="{65BA9549-A185-40C6-B02B-A43360A6F6C8}" dt="2020-06-03T02:18:56.233" v="12" actId="207"/>
+        <pc:sldMkLst>
+          <pc:docMk/>
+          <pc:sldMk cId="652051529" sldId="352"/>
+        </pc:sldMkLst>
+        <pc:spChg chg="mod">
+          <ac:chgData name="Biersach, David" userId="14a9feb0-85a7-4da4-be8a-c1e22b637acc" providerId="ADAL" clId="{65BA9549-A185-40C6-B02B-A43360A6F6C8}" dt="2020-06-03T02:18:56.233" v="12" actId="207"/>
+          <ac:spMkLst>
+            <pc:docMk/>
+            <pc:sldMk cId="652051529" sldId="352"/>
+            <ac:spMk id="2" creationId="{00000000-0000-0000-0000-000000000000}"/>
+          </ac:spMkLst>
+        </pc:spChg>
+      </pc:sldChg>
+      <pc:sldChg chg="add del">
+        <pc:chgData name="Biersach, David" userId="14a9feb0-85a7-4da4-be8a-c1e22b637acc" providerId="ADAL" clId="{65BA9549-A185-40C6-B02B-A43360A6F6C8}" dt="2020-06-03T02:22:11.981" v="100"/>
+        <pc:sldMkLst>
+          <pc:docMk/>
+          <pc:sldMk cId="2871237087" sldId="353"/>
+        </pc:sldMkLst>
       </pc:sldChg>
     </pc:docChg>
   </pc:docChgLst>
@@ -3973,7 +4134,7 @@
           <a:p>
             <a:fld id="{A241AC98-512A-4A35-865E-757B6C1F07A2}" type="datetimeFigureOut">
               <a:rPr lang="en-US" smtClean="0"/>
-              <a:t>5/2/2020</a:t>
+              <a:t>6/3/2020</a:t>
             </a:fld>
             <a:endParaRPr lang="en-US"/>
           </a:p>
@@ -4138,7 +4299,7 @@
           <a:p>
             <a:fld id="{3854CEE7-15DE-41D9-8CA2-D1E137B1D850}" type="datetimeFigureOut">
               <a:rPr lang="en-US" smtClean="0"/>
-              <a:t>5/2/2020</a:t>
+              <a:t>6/3/2020</a:t>
             </a:fld>
             <a:endParaRPr lang="en-US"/>
           </a:p>
@@ -6579,7 +6740,7 @@
     </p:spTree>
     <p:extLst>
       <p:ext uri="{BB962C8B-B14F-4D97-AF65-F5344CB8AC3E}">
-        <p14:creationId xmlns:p14="http://schemas.microsoft.com/office/powerpoint/2010/main" val="1988562450"/>
+        <p14:creationId xmlns:p14="http://schemas.microsoft.com/office/powerpoint/2010/main" val="2679535165"/>
       </p:ext>
     </p:extLst>
   </p:cSld>
@@ -6747,7 +6908,7 @@
     </p:spTree>
     <p:extLst>
       <p:ext uri="{BB962C8B-B14F-4D97-AF65-F5344CB8AC3E}">
-        <p14:creationId xmlns:p14="http://schemas.microsoft.com/office/powerpoint/2010/main" val="3194085832"/>
+        <p14:creationId xmlns:p14="http://schemas.microsoft.com/office/powerpoint/2010/main" val="3290140928"/>
       </p:ext>
     </p:extLst>
   </p:cSld>
@@ -8064,7 +8225,7 @@
           <a:p>
             <a:fld id="{8DD8AB38-4B5D-4283-8E15-FE93E08FAF84}" type="datetime1">
               <a:rPr lang="en-US" smtClean="0"/>
-              <a:t>5/2/2020</a:t>
+              <a:t>6/3/2020</a:t>
             </a:fld>
             <a:endParaRPr lang="en-US" dirty="0"/>
           </a:p>
@@ -8234,7 +8395,7 @@
           <a:p>
             <a:fld id="{3E633450-A447-48A0-9457-3FB7612E3B3E}" type="datetime1">
               <a:rPr lang="en-US" smtClean="0"/>
-              <a:t>5/2/2020</a:t>
+              <a:t>6/3/2020</a:t>
             </a:fld>
             <a:endParaRPr lang="en-US" dirty="0"/>
           </a:p>
@@ -8414,7 +8575,7 @@
           <a:p>
             <a:fld id="{5333786E-BB76-4E38-89A5-6FE9967FC57A}" type="datetime1">
               <a:rPr lang="en-US" smtClean="0"/>
-              <a:t>5/2/2020</a:t>
+              <a:t>6/3/2020</a:t>
             </a:fld>
             <a:endParaRPr lang="en-US" dirty="0"/>
           </a:p>
@@ -8584,7 +8745,7 @@
           <a:p>
             <a:fld id="{61788BAC-7C3F-4B8B-BB4D-A7A9E3609392}" type="datetime1">
               <a:rPr lang="en-US" smtClean="0"/>
-              <a:t>5/2/2020</a:t>
+              <a:t>6/3/2020</a:t>
             </a:fld>
             <a:endParaRPr lang="en-US" dirty="0"/>
           </a:p>
@@ -8828,7 +8989,7 @@
           <a:p>
             <a:fld id="{30DBB050-5714-445C-912D-621C2295C709}" type="datetime1">
               <a:rPr lang="en-US" smtClean="0"/>
-              <a:t>5/2/2020</a:t>
+              <a:t>6/3/2020</a:t>
             </a:fld>
             <a:endParaRPr lang="en-US" dirty="0"/>
           </a:p>
@@ -9060,7 +9221,7 @@
           <a:p>
             <a:fld id="{3CC1061C-B0C6-4042-A003-F2796999A75E}" type="datetime1">
               <a:rPr lang="en-US" smtClean="0"/>
-              <a:t>5/2/2020</a:t>
+              <a:t>6/3/2020</a:t>
             </a:fld>
             <a:endParaRPr lang="en-US" dirty="0"/>
           </a:p>
@@ -9427,7 +9588,7 @@
           <a:p>
             <a:fld id="{4CF4C2D0-1103-427F-A53D-3DB425301E5C}" type="datetime1">
               <a:rPr lang="en-US" smtClean="0"/>
-              <a:t>5/2/2020</a:t>
+              <a:t>6/3/2020</a:t>
             </a:fld>
             <a:endParaRPr lang="en-US" dirty="0"/>
           </a:p>
@@ -9545,7 +9706,7 @@
           <a:p>
             <a:fld id="{23E4ECB7-421D-4C96-83E2-73DE11B4BBC0}" type="datetime1">
               <a:rPr lang="en-US" smtClean="0"/>
-              <a:t>5/2/2020</a:t>
+              <a:t>6/3/2020</a:t>
             </a:fld>
             <a:endParaRPr lang="en-US" dirty="0"/>
           </a:p>
@@ -9640,7 +9801,7 @@
           <a:p>
             <a:fld id="{265B42B7-F61C-4164-AC0B-EFC218D98C4A}" type="datetime1">
               <a:rPr lang="en-US" smtClean="0"/>
-              <a:t>5/2/2020</a:t>
+              <a:t>6/3/2020</a:t>
             </a:fld>
             <a:endParaRPr lang="en-US" dirty="0"/>
           </a:p>
@@ -9917,7 +10078,7 @@
           <a:p>
             <a:fld id="{C98A5A45-8C50-4BDD-AEDC-C980473C31CA}" type="datetime1">
               <a:rPr lang="en-US" smtClean="0"/>
-              <a:t>5/2/2020</a:t>
+              <a:t>6/3/2020</a:t>
             </a:fld>
             <a:endParaRPr lang="en-US" dirty="0"/>
           </a:p>
@@ -10173,7 +10334,7 @@
           <a:p>
             <a:fld id="{B349027F-7577-4792-B323-5210C387791A}" type="datetime1">
               <a:rPr lang="en-US" smtClean="0"/>
-              <a:t>5/2/2020</a:t>
+              <a:t>6/3/2020</a:t>
             </a:fld>
             <a:endParaRPr lang="en-US" dirty="0"/>
           </a:p>
@@ -10386,7 +10547,7 @@
           <a:p>
             <a:fld id="{88263355-C7DD-484F-8733-09D07B3905A1}" type="datetime1">
               <a:rPr lang="en-US" smtClean="0"/>
-              <a:t>5/2/2020</a:t>
+              <a:t>6/3/2020</a:t>
             </a:fld>
             <a:endParaRPr lang="en-US" dirty="0"/>
           </a:p>
@@ -12783,11 +12944,11 @@
             <a:r>
               <a:rPr lang="en-US" sz="3200" b="1" dirty="0">
                 <a:solidFill>
-                  <a:srgbClr val="00B050"/>
+                  <a:srgbClr val="7030A0"/>
                 </a:solidFill>
                 <a:latin typeface="+mn-lt"/>
               </a:rPr>
-              <a:t>Run</a:t>
+              <a:t>View</a:t>
             </a:r>
             <a:r>
               <a:rPr lang="en-US" sz="3200" dirty="0">
@@ -13321,11 +13482,11 @@
             <a:r>
               <a:rPr lang="en-US" sz="3200" b="1" dirty="0">
                 <a:solidFill>
-                  <a:srgbClr val="00B050"/>
+                  <a:srgbClr val="7030A0"/>
                 </a:solidFill>
                 <a:latin typeface="+mn-lt"/>
               </a:rPr>
-              <a:t>Run</a:t>
+              <a:t>View</a:t>
             </a:r>
             <a:r>
               <a:rPr lang="en-US" sz="3200" dirty="0">
@@ -14738,11 +14899,11 @@
             <a:r>
               <a:rPr lang="en-US" sz="3200" b="1" dirty="0">
                 <a:solidFill>
-                  <a:srgbClr val="00B050"/>
+                  <a:srgbClr val="7030A0"/>
                 </a:solidFill>
                 <a:latin typeface="+mn-lt"/>
               </a:rPr>
-              <a:t>Run</a:t>
+              <a:t>View</a:t>
             </a:r>
             <a:r>
               <a:rPr lang="en-US" sz="3200" dirty="0">
@@ -15135,21 +15296,30 @@
                             </p:childTnLst>
                           </p:cTn>
                         </p:par>
+                      </p:childTnLst>
+                    </p:cTn>
+                  </p:par>
+                  <p:par>
+                    <p:cTn id="9" fill="hold">
+                      <p:stCondLst>
+                        <p:cond delay="indefinite"/>
+                      </p:stCondLst>
+                      <p:childTnLst>
                         <p:par>
-                          <p:cTn id="9" fill="hold">
+                          <p:cTn id="10" fill="hold">
                             <p:stCondLst>
-                              <p:cond delay="500"/>
+                              <p:cond delay="0"/>
                             </p:stCondLst>
                             <p:childTnLst>
                               <p:par>
-                                <p:cTn id="10" presetID="22" presetClass="entr" presetSubtype="8" fill="hold" nodeType="afterEffect">
+                                <p:cTn id="11" presetID="2" presetClass="entr" presetSubtype="4" fill="hold" nodeType="clickEffect">
                                   <p:stCondLst>
                                     <p:cond delay="0"/>
                                   </p:stCondLst>
                                   <p:childTnLst>
                                     <p:set>
                                       <p:cBhvr>
-                                        <p:cTn id="11" dur="1" fill="hold">
+                                        <p:cTn id="12" dur="1" fill="hold">
                                           <p:stCondLst>
                                             <p:cond delay="0"/>
                                           </p:stCondLst>
@@ -15165,35 +15335,82 @@
                                         <p:strVal val="visible"/>
                                       </p:to>
                                     </p:set>
-                                    <p:animEffect transition="in" filter="wipe(left)">
-                                      <p:cBhvr>
-                                        <p:cTn id="12" dur="500"/>
+                                    <p:anim calcmode="lin" valueType="num">
+                                      <p:cBhvr additive="base">
+                                        <p:cTn id="13" dur="750" fill="hold"/>
                                         <p:tgtEl>
                                           <p:spTgt spid="7"/>
                                         </p:tgtEl>
+                                        <p:attrNameLst>
+                                          <p:attrName>ppt_x</p:attrName>
+                                        </p:attrNameLst>
                                       </p:cBhvr>
-                                    </p:animEffect>
+                                      <p:tavLst>
+                                        <p:tav tm="0">
+                                          <p:val>
+                                            <p:strVal val="#ppt_x"/>
+                                          </p:val>
+                                        </p:tav>
+                                        <p:tav tm="100000">
+                                          <p:val>
+                                            <p:strVal val="#ppt_x"/>
+                                          </p:val>
+                                        </p:tav>
+                                      </p:tavLst>
+                                    </p:anim>
+                                    <p:anim calcmode="lin" valueType="num">
+                                      <p:cBhvr additive="base">
+                                        <p:cTn id="14" dur="750" fill="hold"/>
+                                        <p:tgtEl>
+                                          <p:spTgt spid="7"/>
+                                        </p:tgtEl>
+                                        <p:attrNameLst>
+                                          <p:attrName>ppt_y</p:attrName>
+                                        </p:attrNameLst>
+                                      </p:cBhvr>
+                                      <p:tavLst>
+                                        <p:tav tm="0">
+                                          <p:val>
+                                            <p:strVal val="1+#ppt_h/2"/>
+                                          </p:val>
+                                        </p:tav>
+                                        <p:tav tm="100000">
+                                          <p:val>
+                                            <p:strVal val="#ppt_y"/>
+                                          </p:val>
+                                        </p:tav>
+                                      </p:tavLst>
+                                    </p:anim>
                                   </p:childTnLst>
                                 </p:cTn>
                               </p:par>
                             </p:childTnLst>
                           </p:cTn>
                         </p:par>
+                      </p:childTnLst>
+                    </p:cTn>
+                  </p:par>
+                  <p:par>
+                    <p:cTn id="15" fill="hold">
+                      <p:stCondLst>
+                        <p:cond delay="indefinite"/>
+                      </p:stCondLst>
+                      <p:childTnLst>
                         <p:par>
-                          <p:cTn id="13" fill="hold">
+                          <p:cTn id="16" fill="hold">
                             <p:stCondLst>
-                              <p:cond delay="1000"/>
+                              <p:cond delay="0"/>
                             </p:stCondLst>
                             <p:childTnLst>
                               <p:par>
-                                <p:cTn id="14" presetID="22" presetClass="entr" presetSubtype="4" fill="hold" nodeType="afterEffect">
+                                <p:cTn id="17" presetID="2" presetClass="entr" presetSubtype="2" fill="hold" nodeType="clickEffect">
                                   <p:stCondLst>
                                     <p:cond delay="0"/>
                                   </p:stCondLst>
                                   <p:childTnLst>
                                     <p:set>
                                       <p:cBhvr>
-                                        <p:cTn id="15" dur="1" fill="hold">
+                                        <p:cTn id="18" dur="1" fill="hold">
                                           <p:stCondLst>
                                             <p:cond delay="0"/>
                                           </p:stCondLst>
@@ -15209,14 +15426,52 @@
                                         <p:strVal val="visible"/>
                                       </p:to>
                                     </p:set>
-                                    <p:animEffect transition="in" filter="wipe(down)">
-                                      <p:cBhvr>
-                                        <p:cTn id="16" dur="500"/>
+                                    <p:anim calcmode="lin" valueType="num">
+                                      <p:cBhvr additive="base">
+                                        <p:cTn id="19" dur="750" fill="hold"/>
                                         <p:tgtEl>
                                           <p:spTgt spid="23"/>
                                         </p:tgtEl>
+                                        <p:attrNameLst>
+                                          <p:attrName>ppt_x</p:attrName>
+                                        </p:attrNameLst>
                                       </p:cBhvr>
-                                    </p:animEffect>
+                                      <p:tavLst>
+                                        <p:tav tm="0">
+                                          <p:val>
+                                            <p:strVal val="1+#ppt_w/2"/>
+                                          </p:val>
+                                        </p:tav>
+                                        <p:tav tm="100000">
+                                          <p:val>
+                                            <p:strVal val="#ppt_x"/>
+                                          </p:val>
+                                        </p:tav>
+                                      </p:tavLst>
+                                    </p:anim>
+                                    <p:anim calcmode="lin" valueType="num">
+                                      <p:cBhvr additive="base">
+                                        <p:cTn id="20" dur="750" fill="hold"/>
+                                        <p:tgtEl>
+                                          <p:spTgt spid="23"/>
+                                        </p:tgtEl>
+                                        <p:attrNameLst>
+                                          <p:attrName>ppt_y</p:attrName>
+                                        </p:attrNameLst>
+                                      </p:cBhvr>
+                                      <p:tavLst>
+                                        <p:tav tm="0">
+                                          <p:val>
+                                            <p:strVal val="#ppt_y"/>
+                                          </p:val>
+                                        </p:tav>
+                                        <p:tav tm="100000">
+                                          <p:val>
+                                            <p:strVal val="#ppt_y"/>
+                                          </p:val>
+                                        </p:tav>
+                                      </p:tavLst>
+                                    </p:anim>
                                   </p:childTnLst>
                                 </p:cTn>
                               </p:par>
@@ -15224,20 +15479,20 @@
                           </p:cTn>
                         </p:par>
                         <p:par>
-                          <p:cTn id="17" fill="hold">
+                          <p:cTn id="21" fill="hold">
                             <p:stCondLst>
-                              <p:cond delay="1500"/>
+                              <p:cond delay="750"/>
                             </p:stCondLst>
                             <p:childTnLst>
                               <p:par>
-                                <p:cTn id="18" presetID="22" presetClass="entr" presetSubtype="2" fill="hold" nodeType="afterEffect">
+                                <p:cTn id="22" presetID="2" presetClass="entr" presetSubtype="9" fill="hold" nodeType="afterEffect">
                                   <p:stCondLst>
                                     <p:cond delay="0"/>
                                   </p:stCondLst>
                                   <p:childTnLst>
                                     <p:set>
                                       <p:cBhvr>
-                                        <p:cTn id="19" dur="1" fill="hold">
+                                        <p:cTn id="23" dur="1" fill="hold">
                                           <p:stCondLst>
                                             <p:cond delay="0"/>
                                           </p:stCondLst>
@@ -15253,14 +15508,52 @@
                                         <p:strVal val="visible"/>
                                       </p:to>
                                     </p:set>
-                                    <p:animEffect transition="in" filter="wipe(right)">
-                                      <p:cBhvr>
-                                        <p:cTn id="20" dur="500"/>
+                                    <p:anim calcmode="lin" valueType="num">
+                                      <p:cBhvr additive="base">
+                                        <p:cTn id="24" dur="750" fill="hold"/>
                                         <p:tgtEl>
                                           <p:spTgt spid="27"/>
                                         </p:tgtEl>
+                                        <p:attrNameLst>
+                                          <p:attrName>ppt_x</p:attrName>
+                                        </p:attrNameLst>
                                       </p:cBhvr>
-                                    </p:animEffect>
+                                      <p:tavLst>
+                                        <p:tav tm="0">
+                                          <p:val>
+                                            <p:strVal val="0-#ppt_w/2"/>
+                                          </p:val>
+                                        </p:tav>
+                                        <p:tav tm="100000">
+                                          <p:val>
+                                            <p:strVal val="#ppt_x"/>
+                                          </p:val>
+                                        </p:tav>
+                                      </p:tavLst>
+                                    </p:anim>
+                                    <p:anim calcmode="lin" valueType="num">
+                                      <p:cBhvr additive="base">
+                                        <p:cTn id="25" dur="750" fill="hold"/>
+                                        <p:tgtEl>
+                                          <p:spTgt spid="27"/>
+                                        </p:tgtEl>
+                                        <p:attrNameLst>
+                                          <p:attrName>ppt_y</p:attrName>
+                                        </p:attrNameLst>
+                                      </p:cBhvr>
+                                      <p:tavLst>
+                                        <p:tav tm="0">
+                                          <p:val>
+                                            <p:strVal val="0-#ppt_h/2"/>
+                                          </p:val>
+                                        </p:tav>
+                                        <p:tav tm="100000">
+                                          <p:val>
+                                            <p:strVal val="#ppt_y"/>
+                                          </p:val>
+                                        </p:tav>
+                                      </p:tavLst>
+                                    </p:anim>
                                   </p:childTnLst>
                                 </p:cTn>
                               </p:par>
@@ -16248,9 +16541,6 @@
                     <p:cTn id="3" fill="hold">
                       <p:stCondLst>
                         <p:cond delay="indefinite"/>
-                        <p:cond evt="onBegin" delay="0">
-                          <p:tn val="2"/>
-                        </p:cond>
                       </p:stCondLst>
                       <p:childTnLst>
                         <p:par>
@@ -16260,7 +16550,7 @@
                             </p:stCondLst>
                             <p:childTnLst>
                               <p:par>
-                                <p:cTn id="5" presetID="2" presetClass="entr" presetSubtype="1" fill="hold" grpId="0" nodeType="afterEffect">
+                                <p:cTn id="5" presetID="22" presetClass="entr" presetSubtype="1" fill="hold" nodeType="clickEffect">
                                   <p:stCondLst>
                                     <p:cond delay="0"/>
                                   </p:stCondLst>
@@ -16268,6 +16558,50 @@
                                     <p:set>
                                       <p:cBhvr>
                                         <p:cTn id="6" dur="1" fill="hold">
+                                          <p:stCondLst>
+                                            <p:cond delay="0"/>
+                                          </p:stCondLst>
+                                        </p:cTn>
+                                        <p:tgtEl>
+                                          <p:spTgt spid="6"/>
+                                        </p:tgtEl>
+                                        <p:attrNameLst>
+                                          <p:attrName>style.visibility</p:attrName>
+                                        </p:attrNameLst>
+                                      </p:cBhvr>
+                                      <p:to>
+                                        <p:strVal val="visible"/>
+                                      </p:to>
+                                    </p:set>
+                                    <p:animEffect transition="in" filter="wipe(up)">
+                                      <p:cBhvr>
+                                        <p:cTn id="7" dur="500"/>
+                                        <p:tgtEl>
+                                          <p:spTgt spid="6"/>
+                                        </p:tgtEl>
+                                      </p:cBhvr>
+                                    </p:animEffect>
+                                  </p:childTnLst>
+                                </p:cTn>
+                              </p:par>
+                            </p:childTnLst>
+                          </p:cTn>
+                        </p:par>
+                        <p:par>
+                          <p:cTn id="8" fill="hold">
+                            <p:stCondLst>
+                              <p:cond delay="500"/>
+                            </p:stCondLst>
+                            <p:childTnLst>
+                              <p:par>
+                                <p:cTn id="9" presetID="2" presetClass="entr" presetSubtype="1" fill="hold" grpId="0" nodeType="afterEffect">
+                                  <p:stCondLst>
+                                    <p:cond delay="0"/>
+                                  </p:stCondLst>
+                                  <p:childTnLst>
+                                    <p:set>
+                                      <p:cBhvr>
+                                        <p:cTn id="10" dur="1" fill="hold">
                                           <p:stCondLst>
                                             <p:cond delay="0"/>
                                           </p:stCondLst>
@@ -16285,7 +16619,7 @@
                                     </p:set>
                                     <p:anim calcmode="lin" valueType="num">
                                       <p:cBhvr additive="base">
-                                        <p:cTn id="7" dur="500" fill="hold"/>
+                                        <p:cTn id="11" dur="500" fill="hold"/>
                                         <p:tgtEl>
                                           <p:spTgt spid="7"/>
                                         </p:tgtEl>
@@ -16308,7 +16642,7 @@
                                     </p:anim>
                                     <p:anim calcmode="lin" valueType="num">
                                       <p:cBhvr additive="base">
-                                        <p:cTn id="8" dur="500" fill="hold"/>
+                                        <p:cTn id="12" dur="500" fill="hold"/>
                                         <p:tgtEl>
                                           <p:spTgt spid="7"/>
                                         </p:tgtEl>
@@ -16436,7 +16770,7 @@
         </p:nvSpPr>
         <p:spPr>
           <a:xfrm>
-            <a:off x="613019" y="1825625"/>
+            <a:off x="568324" y="1525400"/>
             <a:ext cx="8007349" cy="2273677"/>
           </a:xfrm>
         </p:spPr>
@@ -16468,7 +16802,7 @@
             </a:r>
             <a:r>
               <a:rPr lang="en-US" sz="2400" dirty="0"/>
-              <a:t> rectangle in the first quadrant</a:t>
+              <a:t> rectangle in the first quadrant with the bottom left corner located at (0,0) and the longest side on the x-axis</a:t>
             </a:r>
           </a:p>
           <a:p>
@@ -16646,103 +16980,6 @@
                 <a:latin typeface="+mn-lt"/>
               </a:rPr>
               <a:t> Lab 2 – Draw Rectangle</a:t>
-            </a:r>
-          </a:p>
-        </p:txBody>
-      </p:sp>
-      <p:sp>
-        <p:nvSpPr>
-          <p:cNvPr id="3" name="Content Placeholder 2"/>
-          <p:cNvSpPr>
-            <a:spLocks noGrp="1"/>
-          </p:cNvSpPr>
-          <p:nvPr>
-            <p:ph idx="1"/>
-          </p:nvPr>
-        </p:nvSpPr>
-        <p:spPr>
-          <a:xfrm>
-            <a:off x="613019" y="1825625"/>
-            <a:ext cx="8007349" cy="2273677"/>
-          </a:xfrm>
-        </p:spPr>
-        <p:txBody>
-          <a:bodyPr>
-            <a:noAutofit/>
-          </a:bodyPr>
-          <a:lstStyle/>
-          <a:p>
-            <a:pPr>
-              <a:spcBef>
-                <a:spcPts val="0"/>
-              </a:spcBef>
-              <a:spcAft>
-                <a:spcPts val="1200"/>
-              </a:spcAft>
-            </a:pPr>
-            <a:r>
-              <a:rPr lang="en-US" sz="2400" dirty="0"/>
-              <a:t>Draw a </a:t>
-            </a:r>
-            <a:r>
-              <a:rPr lang="en-US" sz="2400" b="1" dirty="0">
-                <a:solidFill>
-                  <a:srgbClr val="EE82EE"/>
-                </a:solidFill>
-              </a:rPr>
-              <a:t>violet</a:t>
-            </a:r>
-            <a:r>
-              <a:rPr lang="en-US" sz="2400" dirty="0"/>
-              <a:t> rectangle in the first quadrant</a:t>
-            </a:r>
-          </a:p>
-          <a:p>
-            <a:pPr>
-              <a:spcBef>
-                <a:spcPts val="0"/>
-              </a:spcBef>
-              <a:spcAft>
-                <a:spcPts val="1200"/>
-              </a:spcAft>
-            </a:pPr>
-            <a:r>
-              <a:rPr lang="en-US" sz="2400" dirty="0"/>
-              <a:t>The dimensions are:  </a:t>
-            </a:r>
-            <a:r>
-              <a:rPr lang="en-US" sz="2400" b="1" dirty="0">
-                <a:solidFill>
-                  <a:srgbClr val="0070C0"/>
-                </a:solidFill>
-              </a:rPr>
-              <a:t>Area = 210 </a:t>
-            </a:r>
-            <a:r>
-              <a:rPr lang="en-US" sz="2400" dirty="0"/>
-              <a:t>and </a:t>
-            </a:r>
-            <a:r>
-              <a:rPr lang="en-US" sz="2400" b="1" dirty="0">
-                <a:solidFill>
-                  <a:srgbClr val="00B050"/>
-                </a:solidFill>
-              </a:rPr>
-              <a:t>Perimeter = 62</a:t>
-            </a:r>
-          </a:p>
-          <a:p>
-            <a:pPr>
-              <a:spcBef>
-                <a:spcPts val="0"/>
-              </a:spcBef>
-              <a:spcAft>
-                <a:spcPts val="1200"/>
-              </a:spcAft>
-            </a:pPr>
-            <a:r>
-              <a:rPr lang="en-US" sz="2400" dirty="0"/>
-              <a:t>Assume the world coordinates are (-30,-30) to (30,30)</a:t>
             </a:r>
           </a:p>
         </p:txBody>
@@ -16977,6 +17214,109 @@
           </p:txBody>
         </p:sp>
       </p:grpSp>
+      <p:sp>
+        <p:nvSpPr>
+          <p:cNvPr id="12" name="Content Placeholder 2">
+            <a:extLst>
+              <a:ext uri="{FF2B5EF4-FFF2-40B4-BE49-F238E27FC236}">
+                <a16:creationId xmlns:a16="http://schemas.microsoft.com/office/drawing/2014/main" id="{9729920F-C70E-4BFE-A817-A16DDEFF2D3C}"/>
+              </a:ext>
+            </a:extLst>
+          </p:cNvPr>
+          <p:cNvSpPr>
+            <a:spLocks noGrp="1"/>
+          </p:cNvSpPr>
+          <p:nvPr>
+            <p:ph idx="1"/>
+          </p:nvPr>
+        </p:nvSpPr>
+        <p:spPr>
+          <a:xfrm>
+            <a:off x="568324" y="1525400"/>
+            <a:ext cx="8007349" cy="2273677"/>
+          </a:xfrm>
+        </p:spPr>
+        <p:txBody>
+          <a:bodyPr>
+            <a:noAutofit/>
+          </a:bodyPr>
+          <a:lstStyle/>
+          <a:p>
+            <a:pPr>
+              <a:spcBef>
+                <a:spcPts val="0"/>
+              </a:spcBef>
+              <a:spcAft>
+                <a:spcPts val="1200"/>
+              </a:spcAft>
+            </a:pPr>
+            <a:r>
+              <a:rPr lang="en-US" sz="2400" dirty="0"/>
+              <a:t>Draw a </a:t>
+            </a:r>
+            <a:r>
+              <a:rPr lang="en-US" sz="2400" b="1" dirty="0">
+                <a:solidFill>
+                  <a:srgbClr val="EE82EE"/>
+                </a:solidFill>
+              </a:rPr>
+              <a:t>violet</a:t>
+            </a:r>
+            <a:r>
+              <a:rPr lang="en-US" sz="2400" dirty="0"/>
+              <a:t> rectangle in the first quadrant with the bottom left corner located at (0,0) and the longest side on the x-axis</a:t>
+            </a:r>
+          </a:p>
+          <a:p>
+            <a:pPr>
+              <a:spcBef>
+                <a:spcPts val="0"/>
+              </a:spcBef>
+              <a:spcAft>
+                <a:spcPts val="1200"/>
+              </a:spcAft>
+            </a:pPr>
+            <a:r>
+              <a:rPr lang="en-US" sz="2400" dirty="0"/>
+              <a:t>The dimensions are:  </a:t>
+            </a:r>
+            <a:r>
+              <a:rPr lang="en-US" sz="2400" b="1" dirty="0">
+                <a:solidFill>
+                  <a:srgbClr val="0070C0"/>
+                </a:solidFill>
+              </a:rPr>
+              <a:t>Area = 210 </a:t>
+            </a:r>
+            <a:r>
+              <a:rPr lang="en-US" sz="2400" dirty="0"/>
+              <a:t>and </a:t>
+            </a:r>
+            <a:r>
+              <a:rPr lang="en-US" sz="2400" b="1" dirty="0">
+                <a:solidFill>
+                  <a:srgbClr val="00B050"/>
+                </a:solidFill>
+              </a:rPr>
+              <a:t>Perimeter = 62</a:t>
+            </a:r>
+          </a:p>
+          <a:p>
+            <a:pPr>
+              <a:spcBef>
+                <a:spcPts val="0"/>
+              </a:spcBef>
+              <a:spcAft>
+                <a:spcPts val="1200"/>
+              </a:spcAft>
+            </a:pPr>
+            <a:r>
+              <a:rPr lang="en-US" sz="2400" dirty="0"/>
+              <a:t>Assume the world coordinates are (-30,-30) to (30,30)</a:t>
+            </a:r>
+          </a:p>
+        </p:txBody>
+      </p:sp>
     </p:spTree>
     <p:extLst>
       <p:ext uri="{BB962C8B-B14F-4D97-AF65-F5344CB8AC3E}">
@@ -17267,125 +17607,6 @@
       </p:sp>
       <p:sp>
         <p:nvSpPr>
-          <p:cNvPr id="3" name="Content Placeholder 2"/>
-          <p:cNvSpPr>
-            <a:spLocks noGrp="1"/>
-          </p:cNvSpPr>
-          <p:nvPr>
-            <p:ph idx="1"/>
-          </p:nvPr>
-        </p:nvSpPr>
-        <p:spPr>
-          <a:xfrm>
-            <a:off x="613019" y="1825625"/>
-            <a:ext cx="8007349" cy="2273677"/>
-          </a:xfrm>
-        </p:spPr>
-        <p:txBody>
-          <a:bodyPr>
-            <a:noAutofit/>
-          </a:bodyPr>
-          <a:lstStyle/>
-          <a:p>
-            <a:pPr>
-              <a:spcBef>
-                <a:spcPts val="0"/>
-              </a:spcBef>
-              <a:spcAft>
-                <a:spcPts val="1200"/>
-              </a:spcAft>
-            </a:pPr>
-            <a:r>
-              <a:rPr lang="en-US" sz="2400" dirty="0"/>
-              <a:t>Draw a </a:t>
-            </a:r>
-            <a:r>
-              <a:rPr lang="en-US" sz="2400" b="1" dirty="0">
-                <a:solidFill>
-                  <a:srgbClr val="EE82EE"/>
-                </a:solidFill>
-              </a:rPr>
-              <a:t>violet</a:t>
-            </a:r>
-            <a:r>
-              <a:rPr lang="en-US" sz="2400" dirty="0"/>
-              <a:t> rectangle in the first quadrant</a:t>
-            </a:r>
-          </a:p>
-          <a:p>
-            <a:pPr>
-              <a:spcBef>
-                <a:spcPts val="0"/>
-              </a:spcBef>
-              <a:spcAft>
-                <a:spcPts val="1200"/>
-              </a:spcAft>
-            </a:pPr>
-            <a:r>
-              <a:rPr lang="en-US" sz="2400" dirty="0"/>
-              <a:t>The dimensions are:  </a:t>
-            </a:r>
-            <a:r>
-              <a:rPr lang="en-US" sz="2400" b="1" dirty="0">
-                <a:solidFill>
-                  <a:srgbClr val="0070C0"/>
-                </a:solidFill>
-              </a:rPr>
-              <a:t>Area = 210 </a:t>
-            </a:r>
-            <a:r>
-              <a:rPr lang="en-US" sz="2400" dirty="0"/>
-              <a:t>and </a:t>
-            </a:r>
-            <a:r>
-              <a:rPr lang="en-US" sz="2400" b="1" dirty="0">
-                <a:solidFill>
-                  <a:srgbClr val="00B050"/>
-                </a:solidFill>
-              </a:rPr>
-              <a:t>Perimeter = 62</a:t>
-            </a:r>
-          </a:p>
-          <a:p>
-            <a:pPr>
-              <a:spcBef>
-                <a:spcPts val="0"/>
-              </a:spcBef>
-              <a:spcAft>
-                <a:spcPts val="1200"/>
-              </a:spcAft>
-            </a:pPr>
-            <a:r>
-              <a:rPr lang="en-US" sz="2400" dirty="0"/>
-              <a:t>Assume the world coordinates are (-30,-30) to (30,30)</a:t>
-            </a:r>
-          </a:p>
-          <a:p>
-            <a:pPr>
-              <a:spcBef>
-                <a:spcPts val="0"/>
-              </a:spcBef>
-              <a:spcAft>
-                <a:spcPts val="1200"/>
-              </a:spcAft>
-            </a:pPr>
-            <a:r>
-              <a:rPr lang="en-US" sz="2400" dirty="0"/>
-              <a:t>Edit the coordinates of the </a:t>
-            </a:r>
-            <a:r>
-              <a:rPr lang="en-US" sz="2400" b="1" dirty="0"/>
-              <a:t>three remaining </a:t>
-            </a:r>
-            <a:r>
-              <a:rPr lang="en-US" sz="2400" dirty="0"/>
-              <a:t>corner points with the correct values</a:t>
-            </a:r>
-          </a:p>
-        </p:txBody>
-      </p:sp>
-      <p:sp>
-        <p:nvSpPr>
           <p:cNvPr id="4" name="Slide Number Placeholder 3"/>
           <p:cNvSpPr>
             <a:spLocks noGrp="1"/>
@@ -17519,6 +17740,306 @@
           </p:txBody>
         </p:sp>
       </p:grpSp>
+      <p:sp>
+        <p:nvSpPr>
+          <p:cNvPr id="8" name="Content Placeholder 2">
+            <a:extLst>
+              <a:ext uri="{FF2B5EF4-FFF2-40B4-BE49-F238E27FC236}">
+                <a16:creationId xmlns:a16="http://schemas.microsoft.com/office/drawing/2014/main" id="{4718557C-3043-4159-A717-491D447BBE47}"/>
+              </a:ext>
+            </a:extLst>
+          </p:cNvPr>
+          <p:cNvSpPr txBox="1">
+            <a:spLocks/>
+          </p:cNvSpPr>
+          <p:nvPr/>
+        </p:nvSpPr>
+        <p:spPr>
+          <a:xfrm>
+            <a:off x="568324" y="1525400"/>
+            <a:ext cx="8007349" cy="2633645"/>
+          </a:xfrm>
+          <a:prstGeom prst="rect">
+            <a:avLst/>
+          </a:prstGeom>
+        </p:spPr>
+        <p:txBody>
+          <a:bodyPr vert="horz" lIns="91440" tIns="45720" rIns="91440" bIns="45720" rtlCol="0">
+            <a:noAutofit/>
+          </a:bodyPr>
+          <a:lstStyle>
+            <a:lvl1pPr marL="228600" indent="-228600" algn="l" defTabSz="914400" rtl="0" eaLnBrk="1" latinLnBrk="0" hangingPunct="1">
+              <a:lnSpc>
+                <a:spcPct val="90000"/>
+              </a:lnSpc>
+              <a:spcBef>
+                <a:spcPts val="1000"/>
+              </a:spcBef>
+              <a:buFont typeface="Arial" panose="020B0604020202020204" pitchFamily="34" charset="0"/>
+              <a:buChar char="•"/>
+              <a:defRPr sz="2800" kern="1200">
+                <a:solidFill>
+                  <a:schemeClr val="tx1"/>
+                </a:solidFill>
+                <a:latin typeface="+mn-lt"/>
+                <a:ea typeface="+mn-ea"/>
+                <a:cs typeface="+mn-cs"/>
+              </a:defRPr>
+            </a:lvl1pPr>
+            <a:lvl2pPr marL="685800" indent="-228600" algn="l" defTabSz="914400" rtl="0" eaLnBrk="1" latinLnBrk="0" hangingPunct="1">
+              <a:lnSpc>
+                <a:spcPct val="90000"/>
+              </a:lnSpc>
+              <a:spcBef>
+                <a:spcPts val="500"/>
+              </a:spcBef>
+              <a:buFont typeface="Arial" panose="020B0604020202020204" pitchFamily="34" charset="0"/>
+              <a:buChar char="•"/>
+              <a:defRPr sz="2400" kern="1200">
+                <a:solidFill>
+                  <a:schemeClr val="tx1"/>
+                </a:solidFill>
+                <a:latin typeface="+mn-lt"/>
+                <a:ea typeface="+mn-ea"/>
+                <a:cs typeface="+mn-cs"/>
+              </a:defRPr>
+            </a:lvl2pPr>
+            <a:lvl3pPr marL="1143000" indent="-228600" algn="l" defTabSz="914400" rtl="0" eaLnBrk="1" latinLnBrk="0" hangingPunct="1">
+              <a:lnSpc>
+                <a:spcPct val="90000"/>
+              </a:lnSpc>
+              <a:spcBef>
+                <a:spcPts val="500"/>
+              </a:spcBef>
+              <a:buFont typeface="Arial" panose="020B0604020202020204" pitchFamily="34" charset="0"/>
+              <a:buChar char="•"/>
+              <a:defRPr sz="2000" kern="1200">
+                <a:solidFill>
+                  <a:schemeClr val="tx1"/>
+                </a:solidFill>
+                <a:latin typeface="+mn-lt"/>
+                <a:ea typeface="+mn-ea"/>
+                <a:cs typeface="+mn-cs"/>
+              </a:defRPr>
+            </a:lvl3pPr>
+            <a:lvl4pPr marL="1600200" indent="-228600" algn="l" defTabSz="914400" rtl="0" eaLnBrk="1" latinLnBrk="0" hangingPunct="1">
+              <a:lnSpc>
+                <a:spcPct val="90000"/>
+              </a:lnSpc>
+              <a:spcBef>
+                <a:spcPts val="500"/>
+              </a:spcBef>
+              <a:buFont typeface="Arial" panose="020B0604020202020204" pitchFamily="34" charset="0"/>
+              <a:buChar char="•"/>
+              <a:defRPr sz="1800" kern="1200">
+                <a:solidFill>
+                  <a:schemeClr val="tx1"/>
+                </a:solidFill>
+                <a:latin typeface="+mn-lt"/>
+                <a:ea typeface="+mn-ea"/>
+                <a:cs typeface="+mn-cs"/>
+              </a:defRPr>
+            </a:lvl4pPr>
+            <a:lvl5pPr marL="2057400" indent="-228600" algn="l" defTabSz="914400" rtl="0" eaLnBrk="1" latinLnBrk="0" hangingPunct="1">
+              <a:lnSpc>
+                <a:spcPct val="90000"/>
+              </a:lnSpc>
+              <a:spcBef>
+                <a:spcPts val="500"/>
+              </a:spcBef>
+              <a:buFont typeface="Arial" panose="020B0604020202020204" pitchFamily="34" charset="0"/>
+              <a:buChar char="•"/>
+              <a:defRPr sz="1800" kern="1200">
+                <a:solidFill>
+                  <a:schemeClr val="tx1"/>
+                </a:solidFill>
+                <a:latin typeface="+mn-lt"/>
+                <a:ea typeface="+mn-ea"/>
+                <a:cs typeface="+mn-cs"/>
+              </a:defRPr>
+            </a:lvl5pPr>
+            <a:lvl6pPr marL="2514600" indent="-228600" algn="l" defTabSz="914400" rtl="0" eaLnBrk="1" latinLnBrk="0" hangingPunct="1">
+              <a:lnSpc>
+                <a:spcPct val="90000"/>
+              </a:lnSpc>
+              <a:spcBef>
+                <a:spcPts val="500"/>
+              </a:spcBef>
+              <a:buFont typeface="Arial" panose="020B0604020202020204" pitchFamily="34" charset="0"/>
+              <a:buChar char="•"/>
+              <a:defRPr sz="1800" kern="1200">
+                <a:solidFill>
+                  <a:schemeClr val="tx1"/>
+                </a:solidFill>
+                <a:latin typeface="+mn-lt"/>
+                <a:ea typeface="+mn-ea"/>
+                <a:cs typeface="+mn-cs"/>
+              </a:defRPr>
+            </a:lvl6pPr>
+            <a:lvl7pPr marL="2971800" indent="-228600" algn="l" defTabSz="914400" rtl="0" eaLnBrk="1" latinLnBrk="0" hangingPunct="1">
+              <a:lnSpc>
+                <a:spcPct val="90000"/>
+              </a:lnSpc>
+              <a:spcBef>
+                <a:spcPts val="500"/>
+              </a:spcBef>
+              <a:buFont typeface="Arial" panose="020B0604020202020204" pitchFamily="34" charset="0"/>
+              <a:buChar char="•"/>
+              <a:defRPr sz="1800" kern="1200">
+                <a:solidFill>
+                  <a:schemeClr val="tx1"/>
+                </a:solidFill>
+                <a:latin typeface="+mn-lt"/>
+                <a:ea typeface="+mn-ea"/>
+                <a:cs typeface="+mn-cs"/>
+              </a:defRPr>
+            </a:lvl7pPr>
+            <a:lvl8pPr marL="3429000" indent="-228600" algn="l" defTabSz="914400" rtl="0" eaLnBrk="1" latinLnBrk="0" hangingPunct="1">
+              <a:lnSpc>
+                <a:spcPct val="90000"/>
+              </a:lnSpc>
+              <a:spcBef>
+                <a:spcPts val="500"/>
+              </a:spcBef>
+              <a:buFont typeface="Arial" panose="020B0604020202020204" pitchFamily="34" charset="0"/>
+              <a:buChar char="•"/>
+              <a:defRPr sz="1800" kern="1200">
+                <a:solidFill>
+                  <a:schemeClr val="tx1"/>
+                </a:solidFill>
+                <a:latin typeface="+mn-lt"/>
+                <a:ea typeface="+mn-ea"/>
+                <a:cs typeface="+mn-cs"/>
+              </a:defRPr>
+            </a:lvl8pPr>
+            <a:lvl9pPr marL="3886200" indent="-228600" algn="l" defTabSz="914400" rtl="0" eaLnBrk="1" latinLnBrk="0" hangingPunct="1">
+              <a:lnSpc>
+                <a:spcPct val="90000"/>
+              </a:lnSpc>
+              <a:spcBef>
+                <a:spcPts val="500"/>
+              </a:spcBef>
+              <a:buFont typeface="Arial" panose="020B0604020202020204" pitchFamily="34" charset="0"/>
+              <a:buChar char="•"/>
+              <a:defRPr sz="1800" kern="1200">
+                <a:solidFill>
+                  <a:schemeClr val="tx1"/>
+                </a:solidFill>
+                <a:latin typeface="+mn-lt"/>
+                <a:ea typeface="+mn-ea"/>
+                <a:cs typeface="+mn-cs"/>
+              </a:defRPr>
+            </a:lvl9pPr>
+          </a:lstStyle>
+          <a:p>
+            <a:pPr>
+              <a:spcBef>
+                <a:spcPts val="0"/>
+              </a:spcBef>
+              <a:spcAft>
+                <a:spcPts val="1200"/>
+              </a:spcAft>
+            </a:pPr>
+            <a:r>
+              <a:rPr lang="en-US" sz="2400" dirty="0"/>
+              <a:t>Draw a </a:t>
+            </a:r>
+            <a:r>
+              <a:rPr lang="en-US" sz="2400" b="1" dirty="0">
+                <a:solidFill>
+                  <a:srgbClr val="EE82EE"/>
+                </a:solidFill>
+              </a:rPr>
+              <a:t>violet</a:t>
+            </a:r>
+            <a:r>
+              <a:rPr lang="en-US" sz="2400" dirty="0"/>
+              <a:t> rectangle in the first quadrant with the bottom left corner located at (0,0) and the longest side on the x-axis</a:t>
+            </a:r>
+          </a:p>
+          <a:p>
+            <a:pPr>
+              <a:spcBef>
+                <a:spcPts val="0"/>
+              </a:spcBef>
+              <a:spcAft>
+                <a:spcPts val="1200"/>
+              </a:spcAft>
+            </a:pPr>
+            <a:r>
+              <a:rPr lang="en-US" sz="2400" dirty="0"/>
+              <a:t>The dimensions are:  </a:t>
+            </a:r>
+            <a:r>
+              <a:rPr lang="en-US" sz="2400" b="1" dirty="0">
+                <a:solidFill>
+                  <a:srgbClr val="0070C0"/>
+                </a:solidFill>
+              </a:rPr>
+              <a:t>Area = 210 </a:t>
+            </a:r>
+            <a:r>
+              <a:rPr lang="en-US" sz="2400" dirty="0"/>
+              <a:t>and </a:t>
+            </a:r>
+            <a:r>
+              <a:rPr lang="en-US" sz="2400" b="1" dirty="0">
+                <a:solidFill>
+                  <a:srgbClr val="00B050"/>
+                </a:solidFill>
+              </a:rPr>
+              <a:t>Perimeter = 62</a:t>
+            </a:r>
+          </a:p>
+          <a:p>
+            <a:pPr>
+              <a:spcBef>
+                <a:spcPts val="0"/>
+              </a:spcBef>
+              <a:spcAft>
+                <a:spcPts val="1200"/>
+              </a:spcAft>
+            </a:pPr>
+            <a:r>
+              <a:rPr lang="en-US" sz="2400" dirty="0"/>
+              <a:t>Assume the world coordinates are (-30,-30) to (30,30)</a:t>
+            </a:r>
+          </a:p>
+          <a:p>
+            <a:pPr>
+              <a:spcBef>
+                <a:spcPts val="0"/>
+              </a:spcBef>
+              <a:spcAft>
+                <a:spcPts val="1200"/>
+              </a:spcAft>
+            </a:pPr>
+            <a:r>
+              <a:rPr lang="en-US" sz="2400" dirty="0"/>
+              <a:t>Edit the coordinates of the </a:t>
+            </a:r>
+            <a:r>
+              <a:rPr lang="en-US" sz="2400" b="1" dirty="0"/>
+              <a:t>three remaining </a:t>
+            </a:r>
+            <a:r>
+              <a:rPr lang="en-US" sz="2400" dirty="0"/>
+              <a:t>corner points with the correct values</a:t>
+            </a:r>
+          </a:p>
+          <a:p>
+            <a:pPr>
+              <a:spcBef>
+                <a:spcPts val="0"/>
+              </a:spcBef>
+              <a:spcAft>
+                <a:spcPts val="1200"/>
+              </a:spcAft>
+            </a:pPr>
+            <a:endParaRPr lang="en-US" sz="2400" dirty="0"/>
+          </a:p>
+        </p:txBody>
+      </p:sp>
     </p:spTree>
     <p:extLst>
       <p:ext uri="{BB962C8B-B14F-4D97-AF65-F5344CB8AC3E}">
@@ -22426,10 +22947,10 @@
       </p:grpSpPr>
       <p:pic>
         <p:nvPicPr>
-          <p:cNvPr id="3" name="Picture 2">
+          <p:cNvPr id="7" name="Picture 6">
             <a:extLst>
               <a:ext uri="{FF2B5EF4-FFF2-40B4-BE49-F238E27FC236}">
-                <a16:creationId xmlns:a16="http://schemas.microsoft.com/office/drawing/2014/main" id="{2B131CE2-7238-4BF5-BA4E-860B7DEAE310}"/>
+                <a16:creationId xmlns:a16="http://schemas.microsoft.com/office/drawing/2014/main" id="{F0C01EB2-8DD2-4F27-A5D6-3346CE2014FD}"/>
               </a:ext>
             </a:extLst>
           </p:cNvPr>
@@ -22446,8 +22967,8 @@
         </p:blipFill>
         <p:spPr>
           <a:xfrm>
-            <a:off x="1169073" y="1631979"/>
-            <a:ext cx="6805854" cy="4397104"/>
+            <a:off x="1293172" y="1631979"/>
+            <a:ext cx="6557656" cy="4397104"/>
           </a:xfrm>
           <a:prstGeom prst="rect">
             <a:avLst/>
@@ -22537,7 +23058,7 @@
         <p:spPr>
           <a:xfrm>
             <a:off x="1546174" y="3410754"/>
-            <a:ext cx="6373709" cy="1009778"/>
+            <a:ext cx="6270471" cy="1009778"/>
           </a:xfrm>
           <a:prstGeom prst="rect">
             <a:avLst/>
@@ -22691,7 +23212,7 @@
     </p:spTree>
     <p:extLst>
       <p:ext uri="{BB962C8B-B14F-4D97-AF65-F5344CB8AC3E}">
-        <p14:creationId xmlns:p14="http://schemas.microsoft.com/office/powerpoint/2010/main" val="2632379670"/>
+        <p14:creationId xmlns:p14="http://schemas.microsoft.com/office/powerpoint/2010/main" val="3226907422"/>
       </p:ext>
     </p:extLst>
   </p:cSld>
@@ -23405,10 +23926,10 @@
       </p:grpSpPr>
       <p:pic>
         <p:nvPicPr>
-          <p:cNvPr id="6" name="Picture 5">
+          <p:cNvPr id="7" name="Picture 6">
             <a:extLst>
               <a:ext uri="{FF2B5EF4-FFF2-40B4-BE49-F238E27FC236}">
-                <a16:creationId xmlns:a16="http://schemas.microsoft.com/office/drawing/2014/main" id="{25DC962B-9D3C-467A-B00A-84455A2B55C9}"/>
+                <a16:creationId xmlns:a16="http://schemas.microsoft.com/office/drawing/2014/main" id="{F0C01EB2-8DD2-4F27-A5D6-3346CE2014FD}"/>
               </a:ext>
             </a:extLst>
           </p:cNvPr>
@@ -23425,8 +23946,8 @@
         </p:blipFill>
         <p:spPr>
           <a:xfrm>
-            <a:off x="871998" y="1635719"/>
-            <a:ext cx="7400004" cy="4397104"/>
+            <a:off x="1293172" y="1631979"/>
+            <a:ext cx="6557656" cy="4397104"/>
           </a:xfrm>
           <a:prstGeom prst="rect">
             <a:avLst/>
@@ -23464,11 +23985,11 @@
             <a:r>
               <a:rPr lang="en-US" sz="3200" b="1" dirty="0">
                 <a:solidFill>
-                  <a:srgbClr val="FF0000"/>
+                  <a:srgbClr val="0070C0"/>
                 </a:solidFill>
                 <a:latin typeface="+mn-lt"/>
               </a:rPr>
-              <a:t>Edit</a:t>
+              <a:t>Open</a:t>
             </a:r>
             <a:r>
               <a:rPr lang="en-US" sz="3200" dirty="0">
@@ -23509,13 +24030,19 @@
       </p:sp>
       <p:sp>
         <p:nvSpPr>
-          <p:cNvPr id="5" name="Rectangle 4"/>
+          <p:cNvPr id="9" name="Rectangle 8">
+            <a:extLst>
+              <a:ext uri="{FF2B5EF4-FFF2-40B4-BE49-F238E27FC236}">
+                <a16:creationId xmlns:a16="http://schemas.microsoft.com/office/drawing/2014/main" id="{F1FB9623-D36A-4F6D-BBED-2C61C242EF78}"/>
+              </a:ext>
+            </a:extLst>
+          </p:cNvPr>
           <p:cNvSpPr/>
           <p:nvPr/>
         </p:nvSpPr>
         <p:spPr>
           <a:xfrm>
-            <a:off x="1198117" y="2510350"/>
+            <a:off x="1537330" y="2510350"/>
             <a:ext cx="3639353" cy="808037"/>
           </a:xfrm>
           <a:prstGeom prst="rect">
@@ -23556,7 +24083,7 @@
     </p:spTree>
     <p:extLst>
       <p:ext uri="{BB962C8B-B14F-4D97-AF65-F5344CB8AC3E}">
-        <p14:creationId xmlns:p14="http://schemas.microsoft.com/office/powerpoint/2010/main" val="1023651063"/>
+        <p14:creationId xmlns:p14="http://schemas.microsoft.com/office/powerpoint/2010/main" val="1497879565"/>
       </p:ext>
     </p:extLst>
   </p:cSld>
@@ -23600,7 +24127,7 @@
                                           </p:stCondLst>
                                         </p:cTn>
                                         <p:tgtEl>
-                                          <p:spTgt spid="5"/>
+                                          <p:spTgt spid="9"/>
                                         </p:tgtEl>
                                         <p:attrNameLst>
                                           <p:attrName>style.visibility</p:attrName>
@@ -23614,7 +24141,7 @@
                                       <p:cBhvr>
                                         <p:cTn id="7" dur="2000"/>
                                         <p:tgtEl>
-                                          <p:spTgt spid="5"/>
+                                          <p:spTgt spid="9"/>
                                         </p:tgtEl>
                                       </p:cBhvr>
                                     </p:animEffect>
@@ -23649,7 +24176,7 @@
       </p:par>
     </p:tnLst>
     <p:bldLst>
-      <p:bldP spid="5" grpId="0" animBg="1"/>
+      <p:bldP spid="9" grpId="0" animBg="1"/>
     </p:bldLst>
   </p:timing>
 </p:sld>
@@ -23672,6 +24199,41 @@
           <a:chExt cx="0" cy="0"/>
         </a:xfrm>
       </p:grpSpPr>
+      <p:pic>
+        <p:nvPicPr>
+          <p:cNvPr id="7" name="Picture 6">
+            <a:extLst>
+              <a:ext uri="{FF2B5EF4-FFF2-40B4-BE49-F238E27FC236}">
+                <a16:creationId xmlns:a16="http://schemas.microsoft.com/office/drawing/2014/main" id="{D353D883-C651-4009-9B25-9D231E0F54A3}"/>
+              </a:ext>
+            </a:extLst>
+          </p:cNvPr>
+          <p:cNvPicPr>
+            <a:picLocks noChangeAspect="1"/>
+          </p:cNvPicPr>
+          <p:nvPr/>
+        </p:nvPicPr>
+        <p:blipFill>
+          <a:blip r:embed="rId3"/>
+          <a:stretch>
+            <a:fillRect/>
+          </a:stretch>
+        </p:blipFill>
+        <p:spPr>
+          <a:xfrm>
+            <a:off x="2144317" y="5465726"/>
+            <a:ext cx="4855367" cy="1070821"/>
+          </a:xfrm>
+          <a:prstGeom prst="rect">
+            <a:avLst/>
+          </a:prstGeom>
+          <a:ln>
+            <a:solidFill>
+              <a:schemeClr val="tx1"/>
+            </a:solidFill>
+          </a:ln>
+        </p:spPr>
+      </p:pic>
       <p:sp>
         <p:nvSpPr>
           <p:cNvPr id="2" name="Title 1"/>
@@ -23756,7 +24318,7 @@
           <p:nvPr/>
         </p:nvPicPr>
         <p:blipFill>
-          <a:blip r:embed="rId3"/>
+          <a:blip r:embed="rId4"/>
           <a:stretch>
             <a:fillRect/>
           </a:stretch>
@@ -23786,7 +24348,7 @@
           <p:nvPr/>
         </p:nvPicPr>
         <p:blipFill>
-          <a:blip r:embed="rId4"/>
+          <a:blip r:embed="rId5"/>
           <a:stretch>
             <a:fillRect/>
           </a:stretch>
@@ -23799,41 +24361,6 @@
           <a:prstGeom prst="rect">
             <a:avLst/>
           </a:prstGeom>
-        </p:spPr>
-      </p:pic>
-      <p:pic>
-        <p:nvPicPr>
-          <p:cNvPr id="3" name="Picture 2">
-            <a:extLst>
-              <a:ext uri="{FF2B5EF4-FFF2-40B4-BE49-F238E27FC236}">
-                <a16:creationId xmlns:a16="http://schemas.microsoft.com/office/drawing/2014/main" id="{8D6944C1-0B28-4ABB-B7FB-B1F1EF231718}"/>
-              </a:ext>
-            </a:extLst>
-          </p:cNvPr>
-          <p:cNvPicPr>
-            <a:picLocks noChangeAspect="1"/>
-          </p:cNvPicPr>
-          <p:nvPr/>
-        </p:nvPicPr>
-        <p:blipFill>
-          <a:blip r:embed="rId5"/>
-          <a:stretch>
-            <a:fillRect/>
-          </a:stretch>
-        </p:blipFill>
-        <p:spPr>
-          <a:xfrm>
-            <a:off x="2036005" y="5451876"/>
-            <a:ext cx="5071991" cy="1084672"/>
-          </a:xfrm>
-          <a:prstGeom prst="rect">
-            <a:avLst/>
-          </a:prstGeom>
-          <a:ln>
-            <a:solidFill>
-              <a:schemeClr val="tx1"/>
-            </a:solidFill>
-          </a:ln>
         </p:spPr>
       </p:pic>
     </p:spTree>
@@ -23942,27 +24469,36 @@
                             </p:childTnLst>
                           </p:cTn>
                         </p:par>
+                      </p:childTnLst>
+                    </p:cTn>
+                  </p:par>
+                  <p:par>
+                    <p:cTn id="9" fill="hold">
+                      <p:stCondLst>
+                        <p:cond delay="indefinite"/>
+                      </p:stCondLst>
+                      <p:childTnLst>
                         <p:par>
-                          <p:cTn id="9" fill="hold">
+                          <p:cTn id="10" fill="hold">
                             <p:stCondLst>
-                              <p:cond delay="500"/>
+                              <p:cond delay="0"/>
                             </p:stCondLst>
                             <p:childTnLst>
                               <p:par>
-                                <p:cTn id="10" presetID="2" presetClass="entr" presetSubtype="4" fill="hold" nodeType="afterEffect">
+                                <p:cTn id="11" presetID="53" presetClass="entr" presetSubtype="16" fill="hold" nodeType="clickEffect">
                                   <p:stCondLst>
                                     <p:cond delay="0"/>
                                   </p:stCondLst>
                                   <p:childTnLst>
                                     <p:set>
                                       <p:cBhvr>
-                                        <p:cTn id="11" dur="1" fill="hold">
+                                        <p:cTn id="12" dur="1" fill="hold">
                                           <p:stCondLst>
                                             <p:cond delay="0"/>
                                           </p:stCondLst>
                                         </p:cTn>
                                         <p:tgtEl>
-                                          <p:spTgt spid="3"/>
+                                          <p:spTgt spid="7"/>
                                         </p:tgtEl>
                                         <p:attrNameLst>
                                           <p:attrName>style.visibility</p:attrName>
@@ -23973,51 +24509,59 @@
                                       </p:to>
                                     </p:set>
                                     <p:anim calcmode="lin" valueType="num">
-                                      <p:cBhvr additive="base">
-                                        <p:cTn id="12" dur="500" fill="hold"/>
+                                      <p:cBhvr>
+                                        <p:cTn id="13" dur="500" fill="hold"/>
                                         <p:tgtEl>
-                                          <p:spTgt spid="3"/>
+                                          <p:spTgt spid="7"/>
                                         </p:tgtEl>
                                         <p:attrNameLst>
-                                          <p:attrName>ppt_x</p:attrName>
+                                          <p:attrName>ppt_w</p:attrName>
                                         </p:attrNameLst>
                                       </p:cBhvr>
                                       <p:tavLst>
                                         <p:tav tm="0">
                                           <p:val>
-                                            <p:strVal val="#ppt_x"/>
+                                            <p:fltVal val="0"/>
                                           </p:val>
                                         </p:tav>
                                         <p:tav tm="100000">
                                           <p:val>
-                                            <p:strVal val="#ppt_x"/>
+                                            <p:strVal val="#ppt_w"/>
                                           </p:val>
                                         </p:tav>
                                       </p:tavLst>
                                     </p:anim>
                                     <p:anim calcmode="lin" valueType="num">
-                                      <p:cBhvr additive="base">
-                                        <p:cTn id="13" dur="500" fill="hold"/>
+                                      <p:cBhvr>
+                                        <p:cTn id="14" dur="500" fill="hold"/>
                                         <p:tgtEl>
-                                          <p:spTgt spid="3"/>
+                                          <p:spTgt spid="7"/>
                                         </p:tgtEl>
                                         <p:attrNameLst>
-                                          <p:attrName>ppt_y</p:attrName>
+                                          <p:attrName>ppt_h</p:attrName>
                                         </p:attrNameLst>
                                       </p:cBhvr>
                                       <p:tavLst>
                                         <p:tav tm="0">
                                           <p:val>
-                                            <p:strVal val="1+#ppt_h/2"/>
+                                            <p:fltVal val="0"/>
                                           </p:val>
                                         </p:tav>
                                         <p:tav tm="100000">
                                           <p:val>
-                                            <p:strVal val="#ppt_y"/>
+                                            <p:strVal val="#ppt_h"/>
                                           </p:val>
                                         </p:tav>
                                       </p:tavLst>
                                     </p:anim>
+                                    <p:animEffect transition="in" filter="fade">
+                                      <p:cBhvr>
+                                        <p:cTn id="15" dur="500"/>
+                                        <p:tgtEl>
+                                          <p:spTgt spid="7"/>
+                                        </p:tgtEl>
+                                      </p:cBhvr>
+                                    </p:animEffect>
                                   </p:childTnLst>
                                 </p:cTn>
                               </p:par>

--- a/session05/Session 05 - 2D Graphics, Polar Coordinates.pptx
+++ b/session05/Session 05 - 2D Graphics, Polar Coordinates.pptx
@@ -4134,7 +4134,7 @@
           <a:p>
             <a:fld id="{A241AC98-512A-4A35-865E-757B6C1F07A2}" type="datetimeFigureOut">
               <a:rPr lang="en-US" smtClean="0"/>
-              <a:t>6/3/2020</a:t>
+              <a:t>8/25/2020</a:t>
             </a:fld>
             <a:endParaRPr lang="en-US"/>
           </a:p>
@@ -4299,7 +4299,7 @@
           <a:p>
             <a:fld id="{3854CEE7-15DE-41D9-8CA2-D1E137B1D850}" type="datetimeFigureOut">
               <a:rPr lang="en-US" smtClean="0"/>
-              <a:t>6/3/2020</a:t>
+              <a:t>8/25/2020</a:t>
             </a:fld>
             <a:endParaRPr lang="en-US"/>
           </a:p>
@@ -8225,7 +8225,7 @@
           <a:p>
             <a:fld id="{8DD8AB38-4B5D-4283-8E15-FE93E08FAF84}" type="datetime1">
               <a:rPr lang="en-US" smtClean="0"/>
-              <a:t>6/3/2020</a:t>
+              <a:t>8/25/2020</a:t>
             </a:fld>
             <a:endParaRPr lang="en-US" dirty="0"/>
           </a:p>
@@ -8395,7 +8395,7 @@
           <a:p>
             <a:fld id="{3E633450-A447-48A0-9457-3FB7612E3B3E}" type="datetime1">
               <a:rPr lang="en-US" smtClean="0"/>
-              <a:t>6/3/2020</a:t>
+              <a:t>8/25/2020</a:t>
             </a:fld>
             <a:endParaRPr lang="en-US" dirty="0"/>
           </a:p>
@@ -8433,10 +8433,15 @@
         <p:spPr/>
         <p:txBody>
           <a:bodyPr/>
-          <a:lstStyle/>
+          <a:lstStyle>
+            <a:lvl1pPr>
+              <a:defRPr sz="1400"/>
+            </a:lvl1pPr>
+          </a:lstStyle>
           <a:p>
             <a:fld id="{650AD656-6FF9-465D-B7B0-1CD0DD39CD23}" type="slidenum">
               <a:rPr lang="en-US" smtClean="0"/>
+              <a:pPr/>
               <a:t>‹#›</a:t>
             </a:fld>
             <a:endParaRPr lang="en-US" dirty="0"/>
@@ -8575,7 +8580,7 @@
           <a:p>
             <a:fld id="{5333786E-BB76-4E38-89A5-6FE9967FC57A}" type="datetime1">
               <a:rPr lang="en-US" smtClean="0"/>
-              <a:t>6/3/2020</a:t>
+              <a:t>8/25/2020</a:t>
             </a:fld>
             <a:endParaRPr lang="en-US" dirty="0"/>
           </a:p>
@@ -8613,10 +8618,15 @@
         <p:spPr/>
         <p:txBody>
           <a:bodyPr/>
-          <a:lstStyle/>
+          <a:lstStyle>
+            <a:lvl1pPr>
+              <a:defRPr sz="1400"/>
+            </a:lvl1pPr>
+          </a:lstStyle>
           <a:p>
             <a:fld id="{650AD656-6FF9-465D-B7B0-1CD0DD39CD23}" type="slidenum">
               <a:rPr lang="en-US" smtClean="0"/>
+              <a:pPr/>
               <a:t>‹#›</a:t>
             </a:fld>
             <a:endParaRPr lang="en-US" dirty="0"/>
@@ -8745,7 +8755,7 @@
           <a:p>
             <a:fld id="{61788BAC-7C3F-4B8B-BB4D-A7A9E3609392}" type="datetime1">
               <a:rPr lang="en-US" smtClean="0"/>
-              <a:t>6/3/2020</a:t>
+              <a:t>8/25/2020</a:t>
             </a:fld>
             <a:endParaRPr lang="en-US" dirty="0"/>
           </a:p>
@@ -8783,10 +8793,15 @@
         <p:spPr/>
         <p:txBody>
           <a:bodyPr/>
-          <a:lstStyle/>
+          <a:lstStyle>
+            <a:lvl1pPr>
+              <a:defRPr sz="1400"/>
+            </a:lvl1pPr>
+          </a:lstStyle>
           <a:p>
             <a:fld id="{650AD656-6FF9-465D-B7B0-1CD0DD39CD23}" type="slidenum">
               <a:rPr lang="en-US" smtClean="0"/>
+              <a:pPr/>
               <a:t>‹#›</a:t>
             </a:fld>
             <a:endParaRPr lang="en-US" dirty="0"/>
@@ -8989,7 +9004,7 @@
           <a:p>
             <a:fld id="{30DBB050-5714-445C-912D-621C2295C709}" type="datetime1">
               <a:rPr lang="en-US" smtClean="0"/>
-              <a:t>6/3/2020</a:t>
+              <a:t>8/25/2020</a:t>
             </a:fld>
             <a:endParaRPr lang="en-US" dirty="0"/>
           </a:p>
@@ -9027,10 +9042,15 @@
         <p:spPr/>
         <p:txBody>
           <a:bodyPr/>
-          <a:lstStyle/>
+          <a:lstStyle>
+            <a:lvl1pPr>
+              <a:defRPr sz="1400"/>
+            </a:lvl1pPr>
+          </a:lstStyle>
           <a:p>
             <a:fld id="{650AD656-6FF9-465D-B7B0-1CD0DD39CD23}" type="slidenum">
               <a:rPr lang="en-US" smtClean="0"/>
+              <a:pPr/>
               <a:t>‹#›</a:t>
             </a:fld>
             <a:endParaRPr lang="en-US" dirty="0"/>
@@ -9221,7 +9241,7 @@
           <a:p>
             <a:fld id="{3CC1061C-B0C6-4042-A003-F2796999A75E}" type="datetime1">
               <a:rPr lang="en-US" smtClean="0"/>
-              <a:t>6/3/2020</a:t>
+              <a:t>8/25/2020</a:t>
             </a:fld>
             <a:endParaRPr lang="en-US" dirty="0"/>
           </a:p>
@@ -9259,10 +9279,15 @@
         <p:spPr/>
         <p:txBody>
           <a:bodyPr/>
-          <a:lstStyle/>
+          <a:lstStyle>
+            <a:lvl1pPr>
+              <a:defRPr sz="1400"/>
+            </a:lvl1pPr>
+          </a:lstStyle>
           <a:p>
             <a:fld id="{650AD656-6FF9-465D-B7B0-1CD0DD39CD23}" type="slidenum">
               <a:rPr lang="en-US" smtClean="0"/>
+              <a:pPr/>
               <a:t>‹#›</a:t>
             </a:fld>
             <a:endParaRPr lang="en-US" dirty="0"/>
@@ -9588,7 +9613,7 @@
           <a:p>
             <a:fld id="{4CF4C2D0-1103-427F-A53D-3DB425301E5C}" type="datetime1">
               <a:rPr lang="en-US" smtClean="0"/>
-              <a:t>6/3/2020</a:t>
+              <a:t>8/25/2020</a:t>
             </a:fld>
             <a:endParaRPr lang="en-US" dirty="0"/>
           </a:p>
@@ -9626,10 +9651,15 @@
         <p:spPr/>
         <p:txBody>
           <a:bodyPr/>
-          <a:lstStyle/>
+          <a:lstStyle>
+            <a:lvl1pPr>
+              <a:defRPr sz="1400"/>
+            </a:lvl1pPr>
+          </a:lstStyle>
           <a:p>
             <a:fld id="{650AD656-6FF9-465D-B7B0-1CD0DD39CD23}" type="slidenum">
               <a:rPr lang="en-US" smtClean="0"/>
+              <a:pPr/>
               <a:t>‹#›</a:t>
             </a:fld>
             <a:endParaRPr lang="en-US" dirty="0"/>
@@ -9706,7 +9736,7 @@
           <a:p>
             <a:fld id="{23E4ECB7-421D-4C96-83E2-73DE11B4BBC0}" type="datetime1">
               <a:rPr lang="en-US" smtClean="0"/>
-              <a:t>6/3/2020</a:t>
+              <a:t>8/25/2020</a:t>
             </a:fld>
             <a:endParaRPr lang="en-US" dirty="0"/>
           </a:p>
@@ -9744,10 +9774,15 @@
         <p:spPr/>
         <p:txBody>
           <a:bodyPr/>
-          <a:lstStyle/>
+          <a:lstStyle>
+            <a:lvl1pPr>
+              <a:defRPr sz="1400"/>
+            </a:lvl1pPr>
+          </a:lstStyle>
           <a:p>
             <a:fld id="{650AD656-6FF9-465D-B7B0-1CD0DD39CD23}" type="slidenum">
               <a:rPr lang="en-US" smtClean="0"/>
+              <a:pPr/>
               <a:t>‹#›</a:t>
             </a:fld>
             <a:endParaRPr lang="en-US" dirty="0"/>
@@ -9801,7 +9836,7 @@
           <a:p>
             <a:fld id="{265B42B7-F61C-4164-AC0B-EFC218D98C4A}" type="datetime1">
               <a:rPr lang="en-US" smtClean="0"/>
-              <a:t>6/3/2020</a:t>
+              <a:t>8/25/2020</a:t>
             </a:fld>
             <a:endParaRPr lang="en-US" dirty="0"/>
           </a:p>
@@ -9839,10 +9874,15 @@
         <p:spPr/>
         <p:txBody>
           <a:bodyPr/>
-          <a:lstStyle/>
+          <a:lstStyle>
+            <a:lvl1pPr>
+              <a:defRPr sz="1400"/>
+            </a:lvl1pPr>
+          </a:lstStyle>
           <a:p>
             <a:fld id="{650AD656-6FF9-465D-B7B0-1CD0DD39CD23}" type="slidenum">
               <a:rPr lang="en-US" smtClean="0"/>
+              <a:pPr/>
               <a:t>‹#›</a:t>
             </a:fld>
             <a:endParaRPr lang="en-US" dirty="0"/>
@@ -10078,7 +10118,7 @@
           <a:p>
             <a:fld id="{C98A5A45-8C50-4BDD-AEDC-C980473C31CA}" type="datetime1">
               <a:rPr lang="en-US" smtClean="0"/>
-              <a:t>6/3/2020</a:t>
+              <a:t>8/25/2020</a:t>
             </a:fld>
             <a:endParaRPr lang="en-US" dirty="0"/>
           </a:p>
@@ -10116,10 +10156,15 @@
         <p:spPr/>
         <p:txBody>
           <a:bodyPr/>
-          <a:lstStyle/>
+          <a:lstStyle>
+            <a:lvl1pPr>
+              <a:defRPr sz="1400"/>
+            </a:lvl1pPr>
+          </a:lstStyle>
           <a:p>
             <a:fld id="{650AD656-6FF9-465D-B7B0-1CD0DD39CD23}" type="slidenum">
               <a:rPr lang="en-US" smtClean="0"/>
+              <a:pPr/>
               <a:t>‹#›</a:t>
             </a:fld>
             <a:endParaRPr lang="en-US" dirty="0"/>
@@ -10334,7 +10379,7 @@
           <a:p>
             <a:fld id="{B349027F-7577-4792-B323-5210C387791A}" type="datetime1">
               <a:rPr lang="en-US" smtClean="0"/>
-              <a:t>6/3/2020</a:t>
+              <a:t>8/25/2020</a:t>
             </a:fld>
             <a:endParaRPr lang="en-US" dirty="0"/>
           </a:p>
@@ -10547,7 +10592,7 @@
           <a:p>
             <a:fld id="{88263355-C7DD-484F-8733-09D07B3905A1}" type="datetime1">
               <a:rPr lang="en-US" smtClean="0"/>
-              <a:t>6/3/2020</a:t>
+              <a:t>8/25/2020</a:t>
             </a:fld>
             <a:endParaRPr lang="en-US" dirty="0"/>
           </a:p>
@@ -10613,11 +10658,9 @@
           <a:bodyPr vert="horz" lIns="91440" tIns="45720" rIns="91440" bIns="45720" rtlCol="0" anchor="ctr"/>
           <a:lstStyle>
             <a:lvl1pPr algn="r">
-              <a:defRPr sz="1200">
+              <a:defRPr sz="1200" b="1">
                 <a:solidFill>
-                  <a:schemeClr val="tx1">
-                    <a:tint val="75000"/>
-                  </a:schemeClr>
+                  <a:schemeClr val="tx1"/>
                 </a:solidFill>
               </a:defRPr>
             </a:lvl1pPr>
@@ -10625,6 +10668,7 @@
           <a:p>
             <a:fld id="{650AD656-6FF9-465D-B7B0-1CD0DD39CD23}" type="slidenum">
               <a:rPr lang="en-US" smtClean="0"/>
+              <a:pPr/>
               <a:t>‹#›</a:t>
             </a:fld>
             <a:endParaRPr lang="en-US" dirty="0"/>
@@ -14178,6 +14222,135 @@
           </a:fontRef>
         </p:style>
       </p:cxnSp>
+      <p:sp>
+        <p:nvSpPr>
+          <p:cNvPr id="6" name="Arrow: Curved Up 5">
+            <a:extLst>
+              <a:ext uri="{FF2B5EF4-FFF2-40B4-BE49-F238E27FC236}">
+                <a16:creationId xmlns:a16="http://schemas.microsoft.com/office/drawing/2014/main" id="{19080D17-6CE7-42B9-B7C3-E7F42326D91A}"/>
+              </a:ext>
+            </a:extLst>
+          </p:cNvPr>
+          <p:cNvSpPr/>
+          <p:nvPr/>
+        </p:nvSpPr>
+        <p:spPr>
+          <a:xfrm rot="15516461">
+            <a:off x="1504335" y="2979174"/>
+            <a:ext cx="1216742" cy="449826"/>
+          </a:xfrm>
+          <a:prstGeom prst="curvedUpArrow">
+            <a:avLst/>
+          </a:prstGeom>
+        </p:spPr>
+        <p:style>
+          <a:lnRef idx="2">
+            <a:schemeClr val="accent1">
+              <a:shade val="50000"/>
+            </a:schemeClr>
+          </a:lnRef>
+          <a:fillRef idx="1">
+            <a:schemeClr val="accent1"/>
+          </a:fillRef>
+          <a:effectRef idx="0">
+            <a:schemeClr val="accent1"/>
+          </a:effectRef>
+          <a:fontRef idx="minor">
+            <a:schemeClr val="lt1"/>
+          </a:fontRef>
+        </p:style>
+        <p:txBody>
+          <a:bodyPr rtlCol="0" anchor="ctr"/>
+          <a:lstStyle/>
+          <a:p>
+            <a:pPr algn="ctr"/>
+            <a:endParaRPr lang="en-US">
+              <a:solidFill>
+                <a:schemeClr val="tx1"/>
+              </a:solidFill>
+            </a:endParaRPr>
+          </a:p>
+        </p:txBody>
+      </p:sp>
+      <p:sp>
+        <p:nvSpPr>
+          <p:cNvPr id="7" name="TextBox 6">
+            <a:extLst>
+              <a:ext uri="{FF2B5EF4-FFF2-40B4-BE49-F238E27FC236}">
+                <a16:creationId xmlns:a16="http://schemas.microsoft.com/office/drawing/2014/main" id="{3D24EBF3-1327-48EF-96ED-3ADA6AA7A47D}"/>
+              </a:ext>
+            </a:extLst>
+          </p:cNvPr>
+          <p:cNvSpPr txBox="1"/>
+          <p:nvPr/>
+        </p:nvSpPr>
+        <p:spPr>
+          <a:xfrm>
+            <a:off x="861458" y="2932921"/>
+            <a:ext cx="999641" cy="1200329"/>
+          </a:xfrm>
+          <a:prstGeom prst="rect">
+            <a:avLst/>
+          </a:prstGeom>
+          <a:solidFill>
+            <a:schemeClr val="bg1"/>
+          </a:solidFill>
+          <a:ln>
+            <a:solidFill>
+              <a:schemeClr val="tx1"/>
+            </a:solidFill>
+          </a:ln>
+        </p:spPr>
+        <p:txBody>
+          <a:bodyPr wrap="square" rtlCol="0">
+            <a:spAutoFit/>
+          </a:bodyPr>
+          <a:lstStyle/>
+          <a:p>
+            <a:pPr algn="ctr"/>
+            <a:r>
+              <a:rPr lang="en-US" b="1" dirty="0"/>
+              <a:t>CCW Vertex Winding Order</a:t>
+            </a:r>
+          </a:p>
+        </p:txBody>
+      </p:sp>
+      <p:sp>
+        <p:nvSpPr>
+          <p:cNvPr id="8" name="TextBox 7">
+            <a:extLst>
+              <a:ext uri="{FF2B5EF4-FFF2-40B4-BE49-F238E27FC236}">
+                <a16:creationId xmlns:a16="http://schemas.microsoft.com/office/drawing/2014/main" id="{DB651F5F-881B-43CC-938A-1408FFBE7FBC}"/>
+              </a:ext>
+            </a:extLst>
+          </p:cNvPr>
+          <p:cNvSpPr txBox="1"/>
+          <p:nvPr/>
+        </p:nvSpPr>
+        <p:spPr>
+          <a:xfrm>
+            <a:off x="1676927" y="5965721"/>
+            <a:ext cx="5790147" cy="400110"/>
+          </a:xfrm>
+          <a:prstGeom prst="rect">
+            <a:avLst/>
+          </a:prstGeom>
+          <a:noFill/>
+        </p:spPr>
+        <p:txBody>
+          <a:bodyPr wrap="square" rtlCol="0">
+            <a:spAutoFit/>
+          </a:bodyPr>
+          <a:lstStyle/>
+          <a:p>
+            <a:pPr algn="ctr"/>
+            <a:r>
+              <a:rPr lang="en-US" sz="2000" dirty="0"/>
+              <a:t>Add vertices in a counter-clockwise "winding order"</a:t>
+            </a:r>
+          </a:p>
+        </p:txBody>
+      </p:sp>
     </p:spTree>
     <p:extLst>
       <p:ext uri="{BB962C8B-B14F-4D97-AF65-F5344CB8AC3E}">
@@ -14823,6 +14996,314 @@
                       </p:childTnLst>
                     </p:cTn>
                   </p:par>
+                  <p:par>
+                    <p:cTn id="53" fill="hold">
+                      <p:stCondLst>
+                        <p:cond delay="indefinite"/>
+                      </p:stCondLst>
+                      <p:childTnLst>
+                        <p:par>
+                          <p:cTn id="54" fill="hold">
+                            <p:stCondLst>
+                              <p:cond delay="0"/>
+                            </p:stCondLst>
+                            <p:childTnLst>
+                              <p:par>
+                                <p:cTn id="55" presetID="31" presetClass="entr" presetSubtype="0" fill="hold" grpId="0" nodeType="clickEffect">
+                                  <p:stCondLst>
+                                    <p:cond delay="0"/>
+                                  </p:stCondLst>
+                                  <p:childTnLst>
+                                    <p:set>
+                                      <p:cBhvr>
+                                        <p:cTn id="56" dur="1" fill="hold">
+                                          <p:stCondLst>
+                                            <p:cond delay="0"/>
+                                          </p:stCondLst>
+                                        </p:cTn>
+                                        <p:tgtEl>
+                                          <p:spTgt spid="6"/>
+                                        </p:tgtEl>
+                                        <p:attrNameLst>
+                                          <p:attrName>style.visibility</p:attrName>
+                                        </p:attrNameLst>
+                                      </p:cBhvr>
+                                      <p:to>
+                                        <p:strVal val="visible"/>
+                                      </p:to>
+                                    </p:set>
+                                    <p:anim calcmode="lin" valueType="num">
+                                      <p:cBhvr>
+                                        <p:cTn id="57" dur="1000" fill="hold"/>
+                                        <p:tgtEl>
+                                          <p:spTgt spid="6"/>
+                                        </p:tgtEl>
+                                        <p:attrNameLst>
+                                          <p:attrName>ppt_w</p:attrName>
+                                        </p:attrNameLst>
+                                      </p:cBhvr>
+                                      <p:tavLst>
+                                        <p:tav tm="0">
+                                          <p:val>
+                                            <p:fltVal val="0"/>
+                                          </p:val>
+                                        </p:tav>
+                                        <p:tav tm="100000">
+                                          <p:val>
+                                            <p:strVal val="#ppt_w"/>
+                                          </p:val>
+                                        </p:tav>
+                                      </p:tavLst>
+                                    </p:anim>
+                                    <p:anim calcmode="lin" valueType="num">
+                                      <p:cBhvr>
+                                        <p:cTn id="58" dur="1000" fill="hold"/>
+                                        <p:tgtEl>
+                                          <p:spTgt spid="6"/>
+                                        </p:tgtEl>
+                                        <p:attrNameLst>
+                                          <p:attrName>ppt_h</p:attrName>
+                                        </p:attrNameLst>
+                                      </p:cBhvr>
+                                      <p:tavLst>
+                                        <p:tav tm="0">
+                                          <p:val>
+                                            <p:fltVal val="0"/>
+                                          </p:val>
+                                        </p:tav>
+                                        <p:tav tm="100000">
+                                          <p:val>
+                                            <p:strVal val="#ppt_h"/>
+                                          </p:val>
+                                        </p:tav>
+                                      </p:tavLst>
+                                    </p:anim>
+                                    <p:anim calcmode="lin" valueType="num">
+                                      <p:cBhvr>
+                                        <p:cTn id="59" dur="1000" fill="hold"/>
+                                        <p:tgtEl>
+                                          <p:spTgt spid="6"/>
+                                        </p:tgtEl>
+                                        <p:attrNameLst>
+                                          <p:attrName>style.rotation</p:attrName>
+                                        </p:attrNameLst>
+                                      </p:cBhvr>
+                                      <p:tavLst>
+                                        <p:tav tm="0">
+                                          <p:val>
+                                            <p:fltVal val="90"/>
+                                          </p:val>
+                                        </p:tav>
+                                        <p:tav tm="100000">
+                                          <p:val>
+                                            <p:fltVal val="0"/>
+                                          </p:val>
+                                        </p:tav>
+                                      </p:tavLst>
+                                    </p:anim>
+                                    <p:animEffect transition="in" filter="fade">
+                                      <p:cBhvr>
+                                        <p:cTn id="60" dur="1000"/>
+                                        <p:tgtEl>
+                                          <p:spTgt spid="6"/>
+                                        </p:tgtEl>
+                                      </p:cBhvr>
+                                    </p:animEffect>
+                                  </p:childTnLst>
+                                </p:cTn>
+                              </p:par>
+                              <p:par>
+                                <p:cTn id="61" presetID="31" presetClass="entr" presetSubtype="0" fill="hold" grpId="0" nodeType="withEffect">
+                                  <p:stCondLst>
+                                    <p:cond delay="0"/>
+                                  </p:stCondLst>
+                                  <p:childTnLst>
+                                    <p:set>
+                                      <p:cBhvr>
+                                        <p:cTn id="62" dur="1" fill="hold">
+                                          <p:stCondLst>
+                                            <p:cond delay="0"/>
+                                          </p:stCondLst>
+                                        </p:cTn>
+                                        <p:tgtEl>
+                                          <p:spTgt spid="7"/>
+                                        </p:tgtEl>
+                                        <p:attrNameLst>
+                                          <p:attrName>style.visibility</p:attrName>
+                                        </p:attrNameLst>
+                                      </p:cBhvr>
+                                      <p:to>
+                                        <p:strVal val="visible"/>
+                                      </p:to>
+                                    </p:set>
+                                    <p:anim calcmode="lin" valueType="num">
+                                      <p:cBhvr>
+                                        <p:cTn id="63" dur="1000" fill="hold"/>
+                                        <p:tgtEl>
+                                          <p:spTgt spid="7"/>
+                                        </p:tgtEl>
+                                        <p:attrNameLst>
+                                          <p:attrName>ppt_w</p:attrName>
+                                        </p:attrNameLst>
+                                      </p:cBhvr>
+                                      <p:tavLst>
+                                        <p:tav tm="0">
+                                          <p:val>
+                                            <p:fltVal val="0"/>
+                                          </p:val>
+                                        </p:tav>
+                                        <p:tav tm="100000">
+                                          <p:val>
+                                            <p:strVal val="#ppt_w"/>
+                                          </p:val>
+                                        </p:tav>
+                                      </p:tavLst>
+                                    </p:anim>
+                                    <p:anim calcmode="lin" valueType="num">
+                                      <p:cBhvr>
+                                        <p:cTn id="64" dur="1000" fill="hold"/>
+                                        <p:tgtEl>
+                                          <p:spTgt spid="7"/>
+                                        </p:tgtEl>
+                                        <p:attrNameLst>
+                                          <p:attrName>ppt_h</p:attrName>
+                                        </p:attrNameLst>
+                                      </p:cBhvr>
+                                      <p:tavLst>
+                                        <p:tav tm="0">
+                                          <p:val>
+                                            <p:fltVal val="0"/>
+                                          </p:val>
+                                        </p:tav>
+                                        <p:tav tm="100000">
+                                          <p:val>
+                                            <p:strVal val="#ppt_h"/>
+                                          </p:val>
+                                        </p:tav>
+                                      </p:tavLst>
+                                    </p:anim>
+                                    <p:anim calcmode="lin" valueType="num">
+                                      <p:cBhvr>
+                                        <p:cTn id="65" dur="1000" fill="hold"/>
+                                        <p:tgtEl>
+                                          <p:spTgt spid="7"/>
+                                        </p:tgtEl>
+                                        <p:attrNameLst>
+                                          <p:attrName>style.rotation</p:attrName>
+                                        </p:attrNameLst>
+                                      </p:cBhvr>
+                                      <p:tavLst>
+                                        <p:tav tm="0">
+                                          <p:val>
+                                            <p:fltVal val="90"/>
+                                          </p:val>
+                                        </p:tav>
+                                        <p:tav tm="100000">
+                                          <p:val>
+                                            <p:fltVal val="0"/>
+                                          </p:val>
+                                        </p:tav>
+                                      </p:tavLst>
+                                    </p:anim>
+                                    <p:animEffect transition="in" filter="fade">
+                                      <p:cBhvr>
+                                        <p:cTn id="66" dur="1000"/>
+                                        <p:tgtEl>
+                                          <p:spTgt spid="7"/>
+                                        </p:tgtEl>
+                                      </p:cBhvr>
+                                    </p:animEffect>
+                                  </p:childTnLst>
+                                </p:cTn>
+                              </p:par>
+                            </p:childTnLst>
+                          </p:cTn>
+                        </p:par>
+                        <p:par>
+                          <p:cTn id="67" fill="hold">
+                            <p:stCondLst>
+                              <p:cond delay="1000"/>
+                            </p:stCondLst>
+                            <p:childTnLst>
+                              <p:par>
+                                <p:cTn id="68" presetID="2" presetClass="entr" presetSubtype="4" fill="hold" grpId="0" nodeType="afterEffect">
+                                  <p:stCondLst>
+                                    <p:cond delay="0"/>
+                                  </p:stCondLst>
+                                  <p:childTnLst>
+                                    <p:set>
+                                      <p:cBhvr>
+                                        <p:cTn id="69" dur="1" fill="hold">
+                                          <p:stCondLst>
+                                            <p:cond delay="0"/>
+                                          </p:stCondLst>
+                                        </p:cTn>
+                                        <p:tgtEl>
+                                          <p:spTgt spid="8"/>
+                                        </p:tgtEl>
+                                        <p:attrNameLst>
+                                          <p:attrName>style.visibility</p:attrName>
+                                        </p:attrNameLst>
+                                      </p:cBhvr>
+                                      <p:to>
+                                        <p:strVal val="visible"/>
+                                      </p:to>
+                                    </p:set>
+                                    <p:anim calcmode="lin" valueType="num">
+                                      <p:cBhvr additive="base">
+                                        <p:cTn id="70" dur="500" fill="hold"/>
+                                        <p:tgtEl>
+                                          <p:spTgt spid="8"/>
+                                        </p:tgtEl>
+                                        <p:attrNameLst>
+                                          <p:attrName>ppt_x</p:attrName>
+                                        </p:attrNameLst>
+                                      </p:cBhvr>
+                                      <p:tavLst>
+                                        <p:tav tm="0">
+                                          <p:val>
+                                            <p:strVal val="#ppt_x"/>
+                                          </p:val>
+                                        </p:tav>
+                                        <p:tav tm="100000">
+                                          <p:val>
+                                            <p:strVal val="#ppt_x"/>
+                                          </p:val>
+                                        </p:tav>
+                                      </p:tavLst>
+                                    </p:anim>
+                                    <p:anim calcmode="lin" valueType="num">
+                                      <p:cBhvr additive="base">
+                                        <p:cTn id="71" dur="500" fill="hold"/>
+                                        <p:tgtEl>
+                                          <p:spTgt spid="8"/>
+                                        </p:tgtEl>
+                                        <p:attrNameLst>
+                                          <p:attrName>ppt_y</p:attrName>
+                                        </p:attrNameLst>
+                                      </p:cBhvr>
+                                      <p:tavLst>
+                                        <p:tav tm="0">
+                                          <p:val>
+                                            <p:strVal val="1+#ppt_h/2"/>
+                                          </p:val>
+                                        </p:tav>
+                                        <p:tav tm="100000">
+                                          <p:val>
+                                            <p:strVal val="#ppt_y"/>
+                                          </p:val>
+                                        </p:tav>
+                                      </p:tavLst>
+                                    </p:anim>
+                                  </p:childTnLst>
+                                </p:cTn>
+                              </p:par>
+                            </p:childTnLst>
+                          </p:cTn>
+                        </p:par>
+                      </p:childTnLst>
+                    </p:cTn>
+                  </p:par>
                 </p:childTnLst>
               </p:cTn>
               <p:prevCondLst>
@@ -14851,6 +15332,9 @@
       <p:bldP spid="17" grpId="0" animBg="1"/>
       <p:bldP spid="19" grpId="0"/>
       <p:bldP spid="20" grpId="0" animBg="1"/>
+      <p:bldP spid="6" grpId="0" animBg="1"/>
+      <p:bldP spid="7" grpId="0" animBg="1"/>
+      <p:bldP spid="8" grpId="0"/>
     </p:bldLst>
   </p:timing>
 </p:sld>
@@ -15187,6 +15671,99 @@
           </a:fontRef>
         </p:style>
       </p:cxnSp>
+      <p:sp>
+        <p:nvSpPr>
+          <p:cNvPr id="10" name="Arrow: Curved Up 9">
+            <a:extLst>
+              <a:ext uri="{FF2B5EF4-FFF2-40B4-BE49-F238E27FC236}">
+                <a16:creationId xmlns:a16="http://schemas.microsoft.com/office/drawing/2014/main" id="{47EE690C-13BA-4D62-8618-B18DEBD52520}"/>
+              </a:ext>
+            </a:extLst>
+          </p:cNvPr>
+          <p:cNvSpPr/>
+          <p:nvPr/>
+        </p:nvSpPr>
+        <p:spPr>
+          <a:xfrm rot="15516461">
+            <a:off x="1504335" y="2979174"/>
+            <a:ext cx="1216742" cy="449826"/>
+          </a:xfrm>
+          <a:prstGeom prst="curvedUpArrow">
+            <a:avLst/>
+          </a:prstGeom>
+        </p:spPr>
+        <p:style>
+          <a:lnRef idx="2">
+            <a:schemeClr val="accent1">
+              <a:shade val="50000"/>
+            </a:schemeClr>
+          </a:lnRef>
+          <a:fillRef idx="1">
+            <a:schemeClr val="accent1"/>
+          </a:fillRef>
+          <a:effectRef idx="0">
+            <a:schemeClr val="accent1"/>
+          </a:effectRef>
+          <a:fontRef idx="minor">
+            <a:schemeClr val="lt1"/>
+          </a:fontRef>
+        </p:style>
+        <p:txBody>
+          <a:bodyPr rtlCol="0" anchor="ctr"/>
+          <a:lstStyle/>
+          <a:p>
+            <a:pPr algn="ctr"/>
+            <a:endParaRPr lang="en-US">
+              <a:solidFill>
+                <a:schemeClr val="tx1"/>
+              </a:solidFill>
+            </a:endParaRPr>
+          </a:p>
+        </p:txBody>
+      </p:sp>
+      <p:sp>
+        <p:nvSpPr>
+          <p:cNvPr id="11" name="TextBox 10">
+            <a:extLst>
+              <a:ext uri="{FF2B5EF4-FFF2-40B4-BE49-F238E27FC236}">
+                <a16:creationId xmlns:a16="http://schemas.microsoft.com/office/drawing/2014/main" id="{83FAAEDE-7858-48FE-929F-D89DD8822818}"/>
+              </a:ext>
+            </a:extLst>
+          </p:cNvPr>
+          <p:cNvSpPr txBox="1"/>
+          <p:nvPr/>
+        </p:nvSpPr>
+        <p:spPr>
+          <a:xfrm>
+            <a:off x="861458" y="2932921"/>
+            <a:ext cx="999641" cy="1200329"/>
+          </a:xfrm>
+          <a:prstGeom prst="rect">
+            <a:avLst/>
+          </a:prstGeom>
+          <a:solidFill>
+            <a:schemeClr val="bg1"/>
+          </a:solidFill>
+          <a:ln>
+            <a:solidFill>
+              <a:schemeClr val="tx1"/>
+            </a:solidFill>
+          </a:ln>
+        </p:spPr>
+        <p:txBody>
+          <a:bodyPr wrap="square" rtlCol="0">
+            <a:spAutoFit/>
+          </a:bodyPr>
+          <a:lstStyle/>
+          <a:p>
+            <a:pPr algn="ctr"/>
+            <a:r>
+              <a:rPr lang="en-US" b="1" dirty="0"/>
+              <a:t>CCW Vertex Winding Order</a:t>
+            </a:r>
+          </a:p>
+        </p:txBody>
+      </p:sp>
     </p:spTree>
     <p:extLst>
       <p:ext uri="{BB962C8B-B14F-4D97-AF65-F5344CB8AC3E}">
@@ -15296,30 +15873,238 @@
                             </p:childTnLst>
                           </p:cTn>
                         </p:par>
-                      </p:childTnLst>
-                    </p:cTn>
-                  </p:par>
-                  <p:par>
-                    <p:cTn id="9" fill="hold">
-                      <p:stCondLst>
-                        <p:cond delay="indefinite"/>
-                      </p:stCondLst>
-                      <p:childTnLst>
                         <p:par>
-                          <p:cTn id="10" fill="hold">
+                          <p:cTn id="9" fill="hold">
                             <p:stCondLst>
-                              <p:cond delay="0"/>
+                              <p:cond delay="500"/>
                             </p:stCondLst>
                             <p:childTnLst>
                               <p:par>
-                                <p:cTn id="11" presetID="2" presetClass="entr" presetSubtype="4" fill="hold" nodeType="clickEffect">
+                                <p:cTn id="10" presetID="31" presetClass="entr" presetSubtype="0" fill="hold" grpId="0" nodeType="afterEffect">
                                   <p:stCondLst>
                                     <p:cond delay="0"/>
                                   </p:stCondLst>
                                   <p:childTnLst>
                                     <p:set>
                                       <p:cBhvr>
-                                        <p:cTn id="12" dur="1" fill="hold">
+                                        <p:cTn id="11" dur="1" fill="hold">
+                                          <p:stCondLst>
+                                            <p:cond delay="0"/>
+                                          </p:stCondLst>
+                                        </p:cTn>
+                                        <p:tgtEl>
+                                          <p:spTgt spid="10"/>
+                                        </p:tgtEl>
+                                        <p:attrNameLst>
+                                          <p:attrName>style.visibility</p:attrName>
+                                        </p:attrNameLst>
+                                      </p:cBhvr>
+                                      <p:to>
+                                        <p:strVal val="visible"/>
+                                      </p:to>
+                                    </p:set>
+                                    <p:anim calcmode="lin" valueType="num">
+                                      <p:cBhvr>
+                                        <p:cTn id="12" dur="1000" fill="hold"/>
+                                        <p:tgtEl>
+                                          <p:spTgt spid="10"/>
+                                        </p:tgtEl>
+                                        <p:attrNameLst>
+                                          <p:attrName>ppt_w</p:attrName>
+                                        </p:attrNameLst>
+                                      </p:cBhvr>
+                                      <p:tavLst>
+                                        <p:tav tm="0">
+                                          <p:val>
+                                            <p:fltVal val="0"/>
+                                          </p:val>
+                                        </p:tav>
+                                        <p:tav tm="100000">
+                                          <p:val>
+                                            <p:strVal val="#ppt_w"/>
+                                          </p:val>
+                                        </p:tav>
+                                      </p:tavLst>
+                                    </p:anim>
+                                    <p:anim calcmode="lin" valueType="num">
+                                      <p:cBhvr>
+                                        <p:cTn id="13" dur="1000" fill="hold"/>
+                                        <p:tgtEl>
+                                          <p:spTgt spid="10"/>
+                                        </p:tgtEl>
+                                        <p:attrNameLst>
+                                          <p:attrName>ppt_h</p:attrName>
+                                        </p:attrNameLst>
+                                      </p:cBhvr>
+                                      <p:tavLst>
+                                        <p:tav tm="0">
+                                          <p:val>
+                                            <p:fltVal val="0"/>
+                                          </p:val>
+                                        </p:tav>
+                                        <p:tav tm="100000">
+                                          <p:val>
+                                            <p:strVal val="#ppt_h"/>
+                                          </p:val>
+                                        </p:tav>
+                                      </p:tavLst>
+                                    </p:anim>
+                                    <p:anim calcmode="lin" valueType="num">
+                                      <p:cBhvr>
+                                        <p:cTn id="14" dur="1000" fill="hold"/>
+                                        <p:tgtEl>
+                                          <p:spTgt spid="10"/>
+                                        </p:tgtEl>
+                                        <p:attrNameLst>
+                                          <p:attrName>style.rotation</p:attrName>
+                                        </p:attrNameLst>
+                                      </p:cBhvr>
+                                      <p:tavLst>
+                                        <p:tav tm="0">
+                                          <p:val>
+                                            <p:fltVal val="90"/>
+                                          </p:val>
+                                        </p:tav>
+                                        <p:tav tm="100000">
+                                          <p:val>
+                                            <p:fltVal val="0"/>
+                                          </p:val>
+                                        </p:tav>
+                                      </p:tavLst>
+                                    </p:anim>
+                                    <p:animEffect transition="in" filter="fade">
+                                      <p:cBhvr>
+                                        <p:cTn id="15" dur="1000"/>
+                                        <p:tgtEl>
+                                          <p:spTgt spid="10"/>
+                                        </p:tgtEl>
+                                      </p:cBhvr>
+                                    </p:animEffect>
+                                  </p:childTnLst>
+                                </p:cTn>
+                              </p:par>
+                              <p:par>
+                                <p:cTn id="16" presetID="31" presetClass="entr" presetSubtype="0" fill="hold" grpId="0" nodeType="withEffect">
+                                  <p:stCondLst>
+                                    <p:cond delay="0"/>
+                                  </p:stCondLst>
+                                  <p:childTnLst>
+                                    <p:set>
+                                      <p:cBhvr>
+                                        <p:cTn id="17" dur="1" fill="hold">
+                                          <p:stCondLst>
+                                            <p:cond delay="0"/>
+                                          </p:stCondLst>
+                                        </p:cTn>
+                                        <p:tgtEl>
+                                          <p:spTgt spid="11"/>
+                                        </p:tgtEl>
+                                        <p:attrNameLst>
+                                          <p:attrName>style.visibility</p:attrName>
+                                        </p:attrNameLst>
+                                      </p:cBhvr>
+                                      <p:to>
+                                        <p:strVal val="visible"/>
+                                      </p:to>
+                                    </p:set>
+                                    <p:anim calcmode="lin" valueType="num">
+                                      <p:cBhvr>
+                                        <p:cTn id="18" dur="1000" fill="hold"/>
+                                        <p:tgtEl>
+                                          <p:spTgt spid="11"/>
+                                        </p:tgtEl>
+                                        <p:attrNameLst>
+                                          <p:attrName>ppt_w</p:attrName>
+                                        </p:attrNameLst>
+                                      </p:cBhvr>
+                                      <p:tavLst>
+                                        <p:tav tm="0">
+                                          <p:val>
+                                            <p:fltVal val="0"/>
+                                          </p:val>
+                                        </p:tav>
+                                        <p:tav tm="100000">
+                                          <p:val>
+                                            <p:strVal val="#ppt_w"/>
+                                          </p:val>
+                                        </p:tav>
+                                      </p:tavLst>
+                                    </p:anim>
+                                    <p:anim calcmode="lin" valueType="num">
+                                      <p:cBhvr>
+                                        <p:cTn id="19" dur="1000" fill="hold"/>
+                                        <p:tgtEl>
+                                          <p:spTgt spid="11"/>
+                                        </p:tgtEl>
+                                        <p:attrNameLst>
+                                          <p:attrName>ppt_h</p:attrName>
+                                        </p:attrNameLst>
+                                      </p:cBhvr>
+                                      <p:tavLst>
+                                        <p:tav tm="0">
+                                          <p:val>
+                                            <p:fltVal val="0"/>
+                                          </p:val>
+                                        </p:tav>
+                                        <p:tav tm="100000">
+                                          <p:val>
+                                            <p:strVal val="#ppt_h"/>
+                                          </p:val>
+                                        </p:tav>
+                                      </p:tavLst>
+                                    </p:anim>
+                                    <p:anim calcmode="lin" valueType="num">
+                                      <p:cBhvr>
+                                        <p:cTn id="20" dur="1000" fill="hold"/>
+                                        <p:tgtEl>
+                                          <p:spTgt spid="11"/>
+                                        </p:tgtEl>
+                                        <p:attrNameLst>
+                                          <p:attrName>style.rotation</p:attrName>
+                                        </p:attrNameLst>
+                                      </p:cBhvr>
+                                      <p:tavLst>
+                                        <p:tav tm="0">
+                                          <p:val>
+                                            <p:fltVal val="90"/>
+                                          </p:val>
+                                        </p:tav>
+                                        <p:tav tm="100000">
+                                          <p:val>
+                                            <p:fltVal val="0"/>
+                                          </p:val>
+                                        </p:tav>
+                                      </p:tavLst>
+                                    </p:anim>
+                                    <p:animEffect transition="in" filter="fade">
+                                      <p:cBhvr>
+                                        <p:cTn id="21" dur="1000"/>
+                                        <p:tgtEl>
+                                          <p:spTgt spid="11"/>
+                                        </p:tgtEl>
+                                      </p:cBhvr>
+                                    </p:animEffect>
+                                  </p:childTnLst>
+                                </p:cTn>
+                              </p:par>
+                            </p:childTnLst>
+                          </p:cTn>
+                        </p:par>
+                        <p:par>
+                          <p:cTn id="22" fill="hold">
+                            <p:stCondLst>
+                              <p:cond delay="1500"/>
+                            </p:stCondLst>
+                            <p:childTnLst>
+                              <p:par>
+                                <p:cTn id="23" presetID="22" presetClass="entr" presetSubtype="8" fill="hold" nodeType="afterEffect">
+                                  <p:stCondLst>
+                                    <p:cond delay="0"/>
+                                  </p:stCondLst>
+                                  <p:childTnLst>
+                                    <p:set>
+                                      <p:cBhvr>
+                                        <p:cTn id="24" dur="1" fill="hold">
                                           <p:stCondLst>
                                             <p:cond delay="0"/>
                                           </p:stCondLst>
@@ -15335,82 +16120,35 @@
                                         <p:strVal val="visible"/>
                                       </p:to>
                                     </p:set>
-                                    <p:anim calcmode="lin" valueType="num">
-                                      <p:cBhvr additive="base">
-                                        <p:cTn id="13" dur="750" fill="hold"/>
+                                    <p:animEffect transition="in" filter="wipe(left)">
+                                      <p:cBhvr>
+                                        <p:cTn id="25" dur="500"/>
                                         <p:tgtEl>
                                           <p:spTgt spid="7"/>
                                         </p:tgtEl>
-                                        <p:attrNameLst>
-                                          <p:attrName>ppt_x</p:attrName>
-                                        </p:attrNameLst>
                                       </p:cBhvr>
-                                      <p:tavLst>
-                                        <p:tav tm="0">
-                                          <p:val>
-                                            <p:strVal val="#ppt_x"/>
-                                          </p:val>
-                                        </p:tav>
-                                        <p:tav tm="100000">
-                                          <p:val>
-                                            <p:strVal val="#ppt_x"/>
-                                          </p:val>
-                                        </p:tav>
-                                      </p:tavLst>
-                                    </p:anim>
-                                    <p:anim calcmode="lin" valueType="num">
-                                      <p:cBhvr additive="base">
-                                        <p:cTn id="14" dur="750" fill="hold"/>
-                                        <p:tgtEl>
-                                          <p:spTgt spid="7"/>
-                                        </p:tgtEl>
-                                        <p:attrNameLst>
-                                          <p:attrName>ppt_y</p:attrName>
-                                        </p:attrNameLst>
-                                      </p:cBhvr>
-                                      <p:tavLst>
-                                        <p:tav tm="0">
-                                          <p:val>
-                                            <p:strVal val="1+#ppt_h/2"/>
-                                          </p:val>
-                                        </p:tav>
-                                        <p:tav tm="100000">
-                                          <p:val>
-                                            <p:strVal val="#ppt_y"/>
-                                          </p:val>
-                                        </p:tav>
-                                      </p:tavLst>
-                                    </p:anim>
+                                    </p:animEffect>
                                   </p:childTnLst>
                                 </p:cTn>
                               </p:par>
                             </p:childTnLst>
                           </p:cTn>
                         </p:par>
-                      </p:childTnLst>
-                    </p:cTn>
-                  </p:par>
-                  <p:par>
-                    <p:cTn id="15" fill="hold">
-                      <p:stCondLst>
-                        <p:cond delay="indefinite"/>
-                      </p:stCondLst>
-                      <p:childTnLst>
                         <p:par>
-                          <p:cTn id="16" fill="hold">
+                          <p:cTn id="26" fill="hold">
                             <p:stCondLst>
-                              <p:cond delay="0"/>
+                              <p:cond delay="2000"/>
                             </p:stCondLst>
                             <p:childTnLst>
                               <p:par>
-                                <p:cTn id="17" presetID="2" presetClass="entr" presetSubtype="2" fill="hold" nodeType="clickEffect">
+                                <p:cTn id="27" presetID="22" presetClass="entr" presetSubtype="4" fill="hold" nodeType="afterEffect">
                                   <p:stCondLst>
                                     <p:cond delay="0"/>
                                   </p:stCondLst>
                                   <p:childTnLst>
                                     <p:set>
                                       <p:cBhvr>
-                                        <p:cTn id="18" dur="1" fill="hold">
+                                        <p:cTn id="28" dur="1" fill="hold">
                                           <p:stCondLst>
                                             <p:cond delay="0"/>
                                           </p:stCondLst>
@@ -15426,52 +16164,14 @@
                                         <p:strVal val="visible"/>
                                       </p:to>
                                     </p:set>
-                                    <p:anim calcmode="lin" valueType="num">
-                                      <p:cBhvr additive="base">
-                                        <p:cTn id="19" dur="750" fill="hold"/>
+                                    <p:animEffect transition="in" filter="wipe(down)">
+                                      <p:cBhvr>
+                                        <p:cTn id="29" dur="500"/>
                                         <p:tgtEl>
                                           <p:spTgt spid="23"/>
                                         </p:tgtEl>
-                                        <p:attrNameLst>
-                                          <p:attrName>ppt_x</p:attrName>
-                                        </p:attrNameLst>
                                       </p:cBhvr>
-                                      <p:tavLst>
-                                        <p:tav tm="0">
-                                          <p:val>
-                                            <p:strVal val="1+#ppt_w/2"/>
-                                          </p:val>
-                                        </p:tav>
-                                        <p:tav tm="100000">
-                                          <p:val>
-                                            <p:strVal val="#ppt_x"/>
-                                          </p:val>
-                                        </p:tav>
-                                      </p:tavLst>
-                                    </p:anim>
-                                    <p:anim calcmode="lin" valueType="num">
-                                      <p:cBhvr additive="base">
-                                        <p:cTn id="20" dur="750" fill="hold"/>
-                                        <p:tgtEl>
-                                          <p:spTgt spid="23"/>
-                                        </p:tgtEl>
-                                        <p:attrNameLst>
-                                          <p:attrName>ppt_y</p:attrName>
-                                        </p:attrNameLst>
-                                      </p:cBhvr>
-                                      <p:tavLst>
-                                        <p:tav tm="0">
-                                          <p:val>
-                                            <p:strVal val="#ppt_y"/>
-                                          </p:val>
-                                        </p:tav>
-                                        <p:tav tm="100000">
-                                          <p:val>
-                                            <p:strVal val="#ppt_y"/>
-                                          </p:val>
-                                        </p:tav>
-                                      </p:tavLst>
-                                    </p:anim>
+                                    </p:animEffect>
                                   </p:childTnLst>
                                 </p:cTn>
                               </p:par>
@@ -15479,20 +16179,20 @@
                           </p:cTn>
                         </p:par>
                         <p:par>
-                          <p:cTn id="21" fill="hold">
+                          <p:cTn id="30" fill="hold">
                             <p:stCondLst>
-                              <p:cond delay="750"/>
+                              <p:cond delay="2500"/>
                             </p:stCondLst>
                             <p:childTnLst>
                               <p:par>
-                                <p:cTn id="22" presetID="2" presetClass="entr" presetSubtype="9" fill="hold" nodeType="afterEffect">
+                                <p:cTn id="31" presetID="22" presetClass="entr" presetSubtype="2" fill="hold" nodeType="afterEffect">
                                   <p:stCondLst>
                                     <p:cond delay="0"/>
                                   </p:stCondLst>
                                   <p:childTnLst>
                                     <p:set>
                                       <p:cBhvr>
-                                        <p:cTn id="23" dur="1" fill="hold">
+                                        <p:cTn id="32" dur="1" fill="hold">
                                           <p:stCondLst>
                                             <p:cond delay="0"/>
                                           </p:stCondLst>
@@ -15508,52 +16208,14 @@
                                         <p:strVal val="visible"/>
                                       </p:to>
                                     </p:set>
-                                    <p:anim calcmode="lin" valueType="num">
-                                      <p:cBhvr additive="base">
-                                        <p:cTn id="24" dur="750" fill="hold"/>
+                                    <p:animEffect transition="in" filter="wipe(right)">
+                                      <p:cBhvr>
+                                        <p:cTn id="33" dur="500"/>
                                         <p:tgtEl>
                                           <p:spTgt spid="27"/>
                                         </p:tgtEl>
-                                        <p:attrNameLst>
-                                          <p:attrName>ppt_x</p:attrName>
-                                        </p:attrNameLst>
                                       </p:cBhvr>
-                                      <p:tavLst>
-                                        <p:tav tm="0">
-                                          <p:val>
-                                            <p:strVal val="0-#ppt_w/2"/>
-                                          </p:val>
-                                        </p:tav>
-                                        <p:tav tm="100000">
-                                          <p:val>
-                                            <p:strVal val="#ppt_x"/>
-                                          </p:val>
-                                        </p:tav>
-                                      </p:tavLst>
-                                    </p:anim>
-                                    <p:anim calcmode="lin" valueType="num">
-                                      <p:cBhvr additive="base">
-                                        <p:cTn id="25" dur="750" fill="hold"/>
-                                        <p:tgtEl>
-                                          <p:spTgt spid="27"/>
-                                        </p:tgtEl>
-                                        <p:attrNameLst>
-                                          <p:attrName>ppt_y</p:attrName>
-                                        </p:attrNameLst>
-                                      </p:cBhvr>
-                                      <p:tavLst>
-                                        <p:tav tm="0">
-                                          <p:val>
-                                            <p:strVal val="0-#ppt_h/2"/>
-                                          </p:val>
-                                        </p:tav>
-                                        <p:tav tm="100000">
-                                          <p:val>
-                                            <p:strVal val="#ppt_y"/>
-                                          </p:val>
-                                        </p:tav>
-                                      </p:tavLst>
-                                    </p:anim>
+                                    </p:animEffect>
                                   </p:childTnLst>
                                 </p:cTn>
                               </p:par>
@@ -15586,6 +16248,8 @@
     </p:tnLst>
     <p:bldLst>
       <p:bldP spid="21" grpId="0" animBg="1"/>
+      <p:bldP spid="10" grpId="0" animBg="1"/>
+      <p:bldP spid="11" grpId="0" animBg="1"/>
     </p:bldLst>
   </p:timing>
 </p:sld>
@@ -18040,6 +18704,99 @@
           </a:p>
         </p:txBody>
       </p:sp>
+      <p:sp>
+        <p:nvSpPr>
+          <p:cNvPr id="10" name="Arrow: Curved Up 9">
+            <a:extLst>
+              <a:ext uri="{FF2B5EF4-FFF2-40B4-BE49-F238E27FC236}">
+                <a16:creationId xmlns:a16="http://schemas.microsoft.com/office/drawing/2014/main" id="{88D6BA34-4A27-4152-9C45-C9B16544750B}"/>
+              </a:ext>
+            </a:extLst>
+          </p:cNvPr>
+          <p:cNvSpPr/>
+          <p:nvPr/>
+        </p:nvSpPr>
+        <p:spPr>
+          <a:xfrm rot="15516461">
+            <a:off x="1452715" y="4888609"/>
+            <a:ext cx="1216742" cy="449826"/>
+          </a:xfrm>
+          <a:prstGeom prst="curvedUpArrow">
+            <a:avLst/>
+          </a:prstGeom>
+        </p:spPr>
+        <p:style>
+          <a:lnRef idx="2">
+            <a:schemeClr val="accent1">
+              <a:shade val="50000"/>
+            </a:schemeClr>
+          </a:lnRef>
+          <a:fillRef idx="1">
+            <a:schemeClr val="accent1"/>
+          </a:fillRef>
+          <a:effectRef idx="0">
+            <a:schemeClr val="accent1"/>
+          </a:effectRef>
+          <a:fontRef idx="minor">
+            <a:schemeClr val="lt1"/>
+          </a:fontRef>
+        </p:style>
+        <p:txBody>
+          <a:bodyPr rtlCol="0" anchor="ctr"/>
+          <a:lstStyle/>
+          <a:p>
+            <a:pPr algn="ctr"/>
+            <a:endParaRPr lang="en-US">
+              <a:solidFill>
+                <a:schemeClr val="tx1"/>
+              </a:solidFill>
+            </a:endParaRPr>
+          </a:p>
+        </p:txBody>
+      </p:sp>
+      <p:sp>
+        <p:nvSpPr>
+          <p:cNvPr id="11" name="TextBox 10">
+            <a:extLst>
+              <a:ext uri="{FF2B5EF4-FFF2-40B4-BE49-F238E27FC236}">
+                <a16:creationId xmlns:a16="http://schemas.microsoft.com/office/drawing/2014/main" id="{0C9965CE-C371-462B-B1AA-B059C8751F63}"/>
+              </a:ext>
+            </a:extLst>
+          </p:cNvPr>
+          <p:cNvSpPr txBox="1"/>
+          <p:nvPr/>
+        </p:nvSpPr>
+        <p:spPr>
+          <a:xfrm>
+            <a:off x="809838" y="4842356"/>
+            <a:ext cx="999641" cy="1200329"/>
+          </a:xfrm>
+          <a:prstGeom prst="rect">
+            <a:avLst/>
+          </a:prstGeom>
+          <a:solidFill>
+            <a:schemeClr val="bg1"/>
+          </a:solidFill>
+          <a:ln>
+            <a:solidFill>
+              <a:schemeClr val="tx1"/>
+            </a:solidFill>
+          </a:ln>
+        </p:spPr>
+        <p:txBody>
+          <a:bodyPr wrap="square" rtlCol="0">
+            <a:spAutoFit/>
+          </a:bodyPr>
+          <a:lstStyle/>
+          <a:p>
+            <a:pPr algn="ctr"/>
+            <a:r>
+              <a:rPr lang="en-US" b="1" dirty="0"/>
+              <a:t>CCW Vertex Winding Order</a:t>
+            </a:r>
+          </a:p>
+        </p:txBody>
+      </p:sp>
     </p:spTree>
     <p:extLst>
       <p:ext uri="{BB962C8B-B14F-4D97-AF65-F5344CB8AC3E}">
@@ -18050,6 +18807,269 @@
   <p:clrMapOvr>
     <a:masterClrMapping/>
   </p:clrMapOvr>
+  <p:timing>
+    <p:tnLst>
+      <p:par>
+        <p:cTn id="1" dur="indefinite" restart="never" nodeType="tmRoot">
+          <p:childTnLst>
+            <p:seq concurrent="1" nextAc="seek">
+              <p:cTn id="2" dur="indefinite" nodeType="mainSeq">
+                <p:childTnLst>
+                  <p:par>
+                    <p:cTn id="3" fill="hold">
+                      <p:stCondLst>
+                        <p:cond delay="indefinite"/>
+                        <p:cond evt="onBegin" delay="0">
+                          <p:tn val="2"/>
+                        </p:cond>
+                      </p:stCondLst>
+                      <p:childTnLst>
+                        <p:par>
+                          <p:cTn id="4" fill="hold">
+                            <p:stCondLst>
+                              <p:cond delay="0"/>
+                            </p:stCondLst>
+                            <p:childTnLst>
+                              <p:par>
+                                <p:cTn id="5" presetID="31" presetClass="entr" presetSubtype="0" fill="hold" grpId="0" nodeType="afterEffect">
+                                  <p:stCondLst>
+                                    <p:cond delay="0"/>
+                                  </p:stCondLst>
+                                  <p:childTnLst>
+                                    <p:set>
+                                      <p:cBhvr>
+                                        <p:cTn id="6" dur="1" fill="hold">
+                                          <p:stCondLst>
+                                            <p:cond delay="0"/>
+                                          </p:stCondLst>
+                                        </p:cTn>
+                                        <p:tgtEl>
+                                          <p:spTgt spid="10"/>
+                                        </p:tgtEl>
+                                        <p:attrNameLst>
+                                          <p:attrName>style.visibility</p:attrName>
+                                        </p:attrNameLst>
+                                      </p:cBhvr>
+                                      <p:to>
+                                        <p:strVal val="visible"/>
+                                      </p:to>
+                                    </p:set>
+                                    <p:anim calcmode="lin" valueType="num">
+                                      <p:cBhvr>
+                                        <p:cTn id="7" dur="1000" fill="hold"/>
+                                        <p:tgtEl>
+                                          <p:spTgt spid="10"/>
+                                        </p:tgtEl>
+                                        <p:attrNameLst>
+                                          <p:attrName>ppt_w</p:attrName>
+                                        </p:attrNameLst>
+                                      </p:cBhvr>
+                                      <p:tavLst>
+                                        <p:tav tm="0">
+                                          <p:val>
+                                            <p:fltVal val="0"/>
+                                          </p:val>
+                                        </p:tav>
+                                        <p:tav tm="100000">
+                                          <p:val>
+                                            <p:strVal val="#ppt_w"/>
+                                          </p:val>
+                                        </p:tav>
+                                      </p:tavLst>
+                                    </p:anim>
+                                    <p:anim calcmode="lin" valueType="num">
+                                      <p:cBhvr>
+                                        <p:cTn id="8" dur="1000" fill="hold"/>
+                                        <p:tgtEl>
+                                          <p:spTgt spid="10"/>
+                                        </p:tgtEl>
+                                        <p:attrNameLst>
+                                          <p:attrName>ppt_h</p:attrName>
+                                        </p:attrNameLst>
+                                      </p:cBhvr>
+                                      <p:tavLst>
+                                        <p:tav tm="0">
+                                          <p:val>
+                                            <p:fltVal val="0"/>
+                                          </p:val>
+                                        </p:tav>
+                                        <p:tav tm="100000">
+                                          <p:val>
+                                            <p:strVal val="#ppt_h"/>
+                                          </p:val>
+                                        </p:tav>
+                                      </p:tavLst>
+                                    </p:anim>
+                                    <p:anim calcmode="lin" valueType="num">
+                                      <p:cBhvr>
+                                        <p:cTn id="9" dur="1000" fill="hold"/>
+                                        <p:tgtEl>
+                                          <p:spTgt spid="10"/>
+                                        </p:tgtEl>
+                                        <p:attrNameLst>
+                                          <p:attrName>style.rotation</p:attrName>
+                                        </p:attrNameLst>
+                                      </p:cBhvr>
+                                      <p:tavLst>
+                                        <p:tav tm="0">
+                                          <p:val>
+                                            <p:fltVal val="90"/>
+                                          </p:val>
+                                        </p:tav>
+                                        <p:tav tm="100000">
+                                          <p:val>
+                                            <p:fltVal val="0"/>
+                                          </p:val>
+                                        </p:tav>
+                                      </p:tavLst>
+                                    </p:anim>
+                                    <p:animEffect transition="in" filter="fade">
+                                      <p:cBhvr>
+                                        <p:cTn id="10" dur="1000"/>
+                                        <p:tgtEl>
+                                          <p:spTgt spid="10"/>
+                                        </p:tgtEl>
+                                      </p:cBhvr>
+                                    </p:animEffect>
+                                  </p:childTnLst>
+                                </p:cTn>
+                              </p:par>
+                              <p:par>
+                                <p:cTn id="11" presetID="31" presetClass="entr" presetSubtype="0" fill="hold" grpId="0" nodeType="withEffect">
+                                  <p:stCondLst>
+                                    <p:cond delay="0"/>
+                                  </p:stCondLst>
+                                  <p:childTnLst>
+                                    <p:set>
+                                      <p:cBhvr>
+                                        <p:cTn id="12" dur="1" fill="hold">
+                                          <p:stCondLst>
+                                            <p:cond delay="0"/>
+                                          </p:stCondLst>
+                                        </p:cTn>
+                                        <p:tgtEl>
+                                          <p:spTgt spid="11"/>
+                                        </p:tgtEl>
+                                        <p:attrNameLst>
+                                          <p:attrName>style.visibility</p:attrName>
+                                        </p:attrNameLst>
+                                      </p:cBhvr>
+                                      <p:to>
+                                        <p:strVal val="visible"/>
+                                      </p:to>
+                                    </p:set>
+                                    <p:anim calcmode="lin" valueType="num">
+                                      <p:cBhvr>
+                                        <p:cTn id="13" dur="1000" fill="hold"/>
+                                        <p:tgtEl>
+                                          <p:spTgt spid="11"/>
+                                        </p:tgtEl>
+                                        <p:attrNameLst>
+                                          <p:attrName>ppt_w</p:attrName>
+                                        </p:attrNameLst>
+                                      </p:cBhvr>
+                                      <p:tavLst>
+                                        <p:tav tm="0">
+                                          <p:val>
+                                            <p:fltVal val="0"/>
+                                          </p:val>
+                                        </p:tav>
+                                        <p:tav tm="100000">
+                                          <p:val>
+                                            <p:strVal val="#ppt_w"/>
+                                          </p:val>
+                                        </p:tav>
+                                      </p:tavLst>
+                                    </p:anim>
+                                    <p:anim calcmode="lin" valueType="num">
+                                      <p:cBhvr>
+                                        <p:cTn id="14" dur="1000" fill="hold"/>
+                                        <p:tgtEl>
+                                          <p:spTgt spid="11"/>
+                                        </p:tgtEl>
+                                        <p:attrNameLst>
+                                          <p:attrName>ppt_h</p:attrName>
+                                        </p:attrNameLst>
+                                      </p:cBhvr>
+                                      <p:tavLst>
+                                        <p:tav tm="0">
+                                          <p:val>
+                                            <p:fltVal val="0"/>
+                                          </p:val>
+                                        </p:tav>
+                                        <p:tav tm="100000">
+                                          <p:val>
+                                            <p:strVal val="#ppt_h"/>
+                                          </p:val>
+                                        </p:tav>
+                                      </p:tavLst>
+                                    </p:anim>
+                                    <p:anim calcmode="lin" valueType="num">
+                                      <p:cBhvr>
+                                        <p:cTn id="15" dur="1000" fill="hold"/>
+                                        <p:tgtEl>
+                                          <p:spTgt spid="11"/>
+                                        </p:tgtEl>
+                                        <p:attrNameLst>
+                                          <p:attrName>style.rotation</p:attrName>
+                                        </p:attrNameLst>
+                                      </p:cBhvr>
+                                      <p:tavLst>
+                                        <p:tav tm="0">
+                                          <p:val>
+                                            <p:fltVal val="90"/>
+                                          </p:val>
+                                        </p:tav>
+                                        <p:tav tm="100000">
+                                          <p:val>
+                                            <p:fltVal val="0"/>
+                                          </p:val>
+                                        </p:tav>
+                                      </p:tavLst>
+                                    </p:anim>
+                                    <p:animEffect transition="in" filter="fade">
+                                      <p:cBhvr>
+                                        <p:cTn id="16" dur="1000"/>
+                                        <p:tgtEl>
+                                          <p:spTgt spid="11"/>
+                                        </p:tgtEl>
+                                      </p:cBhvr>
+                                    </p:animEffect>
+                                  </p:childTnLst>
+                                </p:cTn>
+                              </p:par>
+                            </p:childTnLst>
+                          </p:cTn>
+                        </p:par>
+                      </p:childTnLst>
+                    </p:cTn>
+                  </p:par>
+                </p:childTnLst>
+              </p:cTn>
+              <p:prevCondLst>
+                <p:cond evt="onPrev" delay="0">
+                  <p:tgtEl>
+                    <p:sldTgt/>
+                  </p:tgtEl>
+                </p:cond>
+              </p:prevCondLst>
+              <p:nextCondLst>
+                <p:cond evt="onNext" delay="0">
+                  <p:tgtEl>
+                    <p:sldTgt/>
+                  </p:tgtEl>
+                </p:cond>
+              </p:nextCondLst>
+            </p:seq>
+          </p:childTnLst>
+        </p:cTn>
+      </p:par>
+    </p:tnLst>
+    <p:bldLst>
+      <p:bldP spid="10" grpId="0" animBg="1"/>
+      <p:bldP spid="11" grpId="0" animBg="1"/>
+    </p:bldLst>
+  </p:timing>
 </p:sld>
 </file>
 
@@ -18292,6 +19312,99 @@
           </a:prstGeom>
         </p:spPr>
       </p:pic>
+      <p:sp>
+        <p:nvSpPr>
+          <p:cNvPr id="9" name="Arrow: Curved Up 8">
+            <a:extLst>
+              <a:ext uri="{FF2B5EF4-FFF2-40B4-BE49-F238E27FC236}">
+                <a16:creationId xmlns:a16="http://schemas.microsoft.com/office/drawing/2014/main" id="{ABB273DD-E21A-4816-9C91-9419E9BBC122}"/>
+              </a:ext>
+            </a:extLst>
+          </p:cNvPr>
+          <p:cNvSpPr/>
+          <p:nvPr/>
+        </p:nvSpPr>
+        <p:spPr>
+          <a:xfrm rot="15516461">
+            <a:off x="3370006" y="2573566"/>
+            <a:ext cx="1216742" cy="449826"/>
+          </a:xfrm>
+          <a:prstGeom prst="curvedUpArrow">
+            <a:avLst/>
+          </a:prstGeom>
+        </p:spPr>
+        <p:style>
+          <a:lnRef idx="2">
+            <a:schemeClr val="accent1">
+              <a:shade val="50000"/>
+            </a:schemeClr>
+          </a:lnRef>
+          <a:fillRef idx="1">
+            <a:schemeClr val="accent1"/>
+          </a:fillRef>
+          <a:effectRef idx="0">
+            <a:schemeClr val="accent1"/>
+          </a:effectRef>
+          <a:fontRef idx="minor">
+            <a:schemeClr val="lt1"/>
+          </a:fontRef>
+        </p:style>
+        <p:txBody>
+          <a:bodyPr rtlCol="0" anchor="ctr"/>
+          <a:lstStyle/>
+          <a:p>
+            <a:pPr algn="ctr"/>
+            <a:endParaRPr lang="en-US">
+              <a:solidFill>
+                <a:schemeClr val="tx1"/>
+              </a:solidFill>
+            </a:endParaRPr>
+          </a:p>
+        </p:txBody>
+      </p:sp>
+      <p:sp>
+        <p:nvSpPr>
+          <p:cNvPr id="10" name="TextBox 9">
+            <a:extLst>
+              <a:ext uri="{FF2B5EF4-FFF2-40B4-BE49-F238E27FC236}">
+                <a16:creationId xmlns:a16="http://schemas.microsoft.com/office/drawing/2014/main" id="{03624C30-B2AC-493F-BB15-66336F8038FD}"/>
+              </a:ext>
+            </a:extLst>
+          </p:cNvPr>
+          <p:cNvSpPr txBox="1"/>
+          <p:nvPr/>
+        </p:nvSpPr>
+        <p:spPr>
+          <a:xfrm>
+            <a:off x="2727129" y="2527313"/>
+            <a:ext cx="999641" cy="1200329"/>
+          </a:xfrm>
+          <a:prstGeom prst="rect">
+            <a:avLst/>
+          </a:prstGeom>
+          <a:solidFill>
+            <a:schemeClr val="bg1"/>
+          </a:solidFill>
+          <a:ln>
+            <a:solidFill>
+              <a:schemeClr val="tx1"/>
+            </a:solidFill>
+          </a:ln>
+        </p:spPr>
+        <p:txBody>
+          <a:bodyPr wrap="square" rtlCol="0">
+            <a:spAutoFit/>
+          </a:bodyPr>
+          <a:lstStyle/>
+          <a:p>
+            <a:pPr algn="ctr"/>
+            <a:r>
+              <a:rPr lang="en-US" b="1" dirty="0"/>
+              <a:t>CCW Vertex Winding Order</a:t>
+            </a:r>
+          </a:p>
+        </p:txBody>
+      </p:sp>
     </p:spTree>
     <p:extLst>
       <p:ext uri="{BB962C8B-B14F-4D97-AF65-F5344CB8AC3E}">
@@ -18314,9 +19427,6 @@
                     <p:cTn id="3" fill="hold">
                       <p:stCondLst>
                         <p:cond delay="indefinite"/>
-                        <p:cond evt="onBegin" delay="0">
-                          <p:tn val="2"/>
-                        </p:cond>
                       </p:stCondLst>
                       <p:childTnLst>
                         <p:par>
@@ -18326,7 +19436,7 @@
                             </p:stCondLst>
                             <p:childTnLst>
                               <p:par>
-                                <p:cTn id="5" presetID="2" presetClass="entr" presetSubtype="1" fill="hold" nodeType="afterEffect">
+                                <p:cTn id="5" presetID="31" presetClass="entr" presetSubtype="0" fill="hold" grpId="0" nodeType="clickEffect">
                                   <p:stCondLst>
                                     <p:cond delay="0"/>
                                   </p:stCondLst>
@@ -18334,6 +19444,223 @@
                                     <p:set>
                                       <p:cBhvr>
                                         <p:cTn id="6" dur="1" fill="hold">
+                                          <p:stCondLst>
+                                            <p:cond delay="0"/>
+                                          </p:stCondLst>
+                                        </p:cTn>
+                                        <p:tgtEl>
+                                          <p:spTgt spid="9"/>
+                                        </p:tgtEl>
+                                        <p:attrNameLst>
+                                          <p:attrName>style.visibility</p:attrName>
+                                        </p:attrNameLst>
+                                      </p:cBhvr>
+                                      <p:to>
+                                        <p:strVal val="visible"/>
+                                      </p:to>
+                                    </p:set>
+                                    <p:anim calcmode="lin" valueType="num">
+                                      <p:cBhvr>
+                                        <p:cTn id="7" dur="1000" fill="hold"/>
+                                        <p:tgtEl>
+                                          <p:spTgt spid="9"/>
+                                        </p:tgtEl>
+                                        <p:attrNameLst>
+                                          <p:attrName>ppt_w</p:attrName>
+                                        </p:attrNameLst>
+                                      </p:cBhvr>
+                                      <p:tavLst>
+                                        <p:tav tm="0">
+                                          <p:val>
+                                            <p:fltVal val="0"/>
+                                          </p:val>
+                                        </p:tav>
+                                        <p:tav tm="100000">
+                                          <p:val>
+                                            <p:strVal val="#ppt_w"/>
+                                          </p:val>
+                                        </p:tav>
+                                      </p:tavLst>
+                                    </p:anim>
+                                    <p:anim calcmode="lin" valueType="num">
+                                      <p:cBhvr>
+                                        <p:cTn id="8" dur="1000" fill="hold"/>
+                                        <p:tgtEl>
+                                          <p:spTgt spid="9"/>
+                                        </p:tgtEl>
+                                        <p:attrNameLst>
+                                          <p:attrName>ppt_h</p:attrName>
+                                        </p:attrNameLst>
+                                      </p:cBhvr>
+                                      <p:tavLst>
+                                        <p:tav tm="0">
+                                          <p:val>
+                                            <p:fltVal val="0"/>
+                                          </p:val>
+                                        </p:tav>
+                                        <p:tav tm="100000">
+                                          <p:val>
+                                            <p:strVal val="#ppt_h"/>
+                                          </p:val>
+                                        </p:tav>
+                                      </p:tavLst>
+                                    </p:anim>
+                                    <p:anim calcmode="lin" valueType="num">
+                                      <p:cBhvr>
+                                        <p:cTn id="9" dur="1000" fill="hold"/>
+                                        <p:tgtEl>
+                                          <p:spTgt spid="9"/>
+                                        </p:tgtEl>
+                                        <p:attrNameLst>
+                                          <p:attrName>style.rotation</p:attrName>
+                                        </p:attrNameLst>
+                                      </p:cBhvr>
+                                      <p:tavLst>
+                                        <p:tav tm="0">
+                                          <p:val>
+                                            <p:fltVal val="90"/>
+                                          </p:val>
+                                        </p:tav>
+                                        <p:tav tm="100000">
+                                          <p:val>
+                                            <p:fltVal val="0"/>
+                                          </p:val>
+                                        </p:tav>
+                                      </p:tavLst>
+                                    </p:anim>
+                                    <p:animEffect transition="in" filter="fade">
+                                      <p:cBhvr>
+                                        <p:cTn id="10" dur="1000"/>
+                                        <p:tgtEl>
+                                          <p:spTgt spid="9"/>
+                                        </p:tgtEl>
+                                      </p:cBhvr>
+                                    </p:animEffect>
+                                  </p:childTnLst>
+                                </p:cTn>
+                              </p:par>
+                              <p:par>
+                                <p:cTn id="11" presetID="31" presetClass="entr" presetSubtype="0" fill="hold" grpId="0" nodeType="withEffect">
+                                  <p:stCondLst>
+                                    <p:cond delay="0"/>
+                                  </p:stCondLst>
+                                  <p:childTnLst>
+                                    <p:set>
+                                      <p:cBhvr>
+                                        <p:cTn id="12" dur="1" fill="hold">
+                                          <p:stCondLst>
+                                            <p:cond delay="0"/>
+                                          </p:stCondLst>
+                                        </p:cTn>
+                                        <p:tgtEl>
+                                          <p:spTgt spid="10"/>
+                                        </p:tgtEl>
+                                        <p:attrNameLst>
+                                          <p:attrName>style.visibility</p:attrName>
+                                        </p:attrNameLst>
+                                      </p:cBhvr>
+                                      <p:to>
+                                        <p:strVal val="visible"/>
+                                      </p:to>
+                                    </p:set>
+                                    <p:anim calcmode="lin" valueType="num">
+                                      <p:cBhvr>
+                                        <p:cTn id="13" dur="1000" fill="hold"/>
+                                        <p:tgtEl>
+                                          <p:spTgt spid="10"/>
+                                        </p:tgtEl>
+                                        <p:attrNameLst>
+                                          <p:attrName>ppt_w</p:attrName>
+                                        </p:attrNameLst>
+                                      </p:cBhvr>
+                                      <p:tavLst>
+                                        <p:tav tm="0">
+                                          <p:val>
+                                            <p:fltVal val="0"/>
+                                          </p:val>
+                                        </p:tav>
+                                        <p:tav tm="100000">
+                                          <p:val>
+                                            <p:strVal val="#ppt_w"/>
+                                          </p:val>
+                                        </p:tav>
+                                      </p:tavLst>
+                                    </p:anim>
+                                    <p:anim calcmode="lin" valueType="num">
+                                      <p:cBhvr>
+                                        <p:cTn id="14" dur="1000" fill="hold"/>
+                                        <p:tgtEl>
+                                          <p:spTgt spid="10"/>
+                                        </p:tgtEl>
+                                        <p:attrNameLst>
+                                          <p:attrName>ppt_h</p:attrName>
+                                        </p:attrNameLst>
+                                      </p:cBhvr>
+                                      <p:tavLst>
+                                        <p:tav tm="0">
+                                          <p:val>
+                                            <p:fltVal val="0"/>
+                                          </p:val>
+                                        </p:tav>
+                                        <p:tav tm="100000">
+                                          <p:val>
+                                            <p:strVal val="#ppt_h"/>
+                                          </p:val>
+                                        </p:tav>
+                                      </p:tavLst>
+                                    </p:anim>
+                                    <p:anim calcmode="lin" valueType="num">
+                                      <p:cBhvr>
+                                        <p:cTn id="15" dur="1000" fill="hold"/>
+                                        <p:tgtEl>
+                                          <p:spTgt spid="10"/>
+                                        </p:tgtEl>
+                                        <p:attrNameLst>
+                                          <p:attrName>style.rotation</p:attrName>
+                                        </p:attrNameLst>
+                                      </p:cBhvr>
+                                      <p:tavLst>
+                                        <p:tav tm="0">
+                                          <p:val>
+                                            <p:fltVal val="90"/>
+                                          </p:val>
+                                        </p:tav>
+                                        <p:tav tm="100000">
+                                          <p:val>
+                                            <p:fltVal val="0"/>
+                                          </p:val>
+                                        </p:tav>
+                                      </p:tavLst>
+                                    </p:anim>
+                                    <p:animEffect transition="in" filter="fade">
+                                      <p:cBhvr>
+                                        <p:cTn id="16" dur="1000"/>
+                                        <p:tgtEl>
+                                          <p:spTgt spid="10"/>
+                                        </p:tgtEl>
+                                      </p:cBhvr>
+                                    </p:animEffect>
+                                  </p:childTnLst>
+                                </p:cTn>
+                              </p:par>
+                            </p:childTnLst>
+                          </p:cTn>
+                        </p:par>
+                        <p:par>
+                          <p:cTn id="17" fill="hold">
+                            <p:stCondLst>
+                              <p:cond delay="1000"/>
+                            </p:stCondLst>
+                            <p:childTnLst>
+                              <p:par>
+                                <p:cTn id="18" presetID="2" presetClass="entr" presetSubtype="1" fill="hold" nodeType="afterEffect">
+                                  <p:stCondLst>
+                                    <p:cond delay="0"/>
+                                  </p:stCondLst>
+                                  <p:childTnLst>
+                                    <p:set>
+                                      <p:cBhvr>
+                                        <p:cTn id="19" dur="1" fill="hold">
                                           <p:stCondLst>
                                             <p:cond delay="0"/>
                                           </p:stCondLst>
@@ -18351,7 +19678,7 @@
                                     </p:set>
                                     <p:anim calcmode="lin" valueType="num">
                                       <p:cBhvr additive="base">
-                                        <p:cTn id="7" dur="500" fill="hold"/>
+                                        <p:cTn id="20" dur="500" fill="hold"/>
                                         <p:tgtEl>
                                           <p:spTgt spid="8"/>
                                         </p:tgtEl>
@@ -18374,7 +19701,7 @@
                                     </p:anim>
                                     <p:anim calcmode="lin" valueType="num">
                                       <p:cBhvr additive="base">
-                                        <p:cTn id="8" dur="500" fill="hold"/>
+                                        <p:cTn id="21" dur="500" fill="hold"/>
                                         <p:tgtEl>
                                           <p:spTgt spid="8"/>
                                         </p:tgtEl>
@@ -18405,26 +19732,26 @@
                     </p:cTn>
                   </p:par>
                   <p:par>
-                    <p:cTn id="9" fill="hold">
+                    <p:cTn id="22" fill="hold">
                       <p:stCondLst>
                         <p:cond delay="indefinite"/>
                       </p:stCondLst>
                       <p:childTnLst>
                         <p:par>
-                          <p:cTn id="10" fill="hold">
+                          <p:cTn id="23" fill="hold">
                             <p:stCondLst>
                               <p:cond delay="0"/>
                             </p:stCondLst>
                             <p:childTnLst>
                               <p:par>
-                                <p:cTn id="11" presetID="2" presetClass="entr" presetSubtype="12" fill="hold" nodeType="clickEffect">
+                                <p:cTn id="24" presetID="2" presetClass="entr" presetSubtype="12" fill="hold" nodeType="clickEffect">
                                   <p:stCondLst>
                                     <p:cond delay="0"/>
                                   </p:stCondLst>
                                   <p:childTnLst>
                                     <p:set>
                                       <p:cBhvr>
-                                        <p:cTn id="12" dur="1" fill="hold">
+                                        <p:cTn id="25" dur="1" fill="hold">
                                           <p:stCondLst>
                                             <p:cond delay="0"/>
                                           </p:stCondLst>
@@ -18442,7 +19769,7 @@
                                     </p:set>
                                     <p:anim calcmode="lin" valueType="num">
                                       <p:cBhvr additive="base">
-                                        <p:cTn id="13" dur="500" fill="hold"/>
+                                        <p:cTn id="26" dur="500" fill="hold"/>
                                         <p:tgtEl>
                                           <p:spTgt spid="6"/>
                                         </p:tgtEl>
@@ -18465,7 +19792,7 @@
                                     </p:anim>
                                     <p:anim calcmode="lin" valueType="num">
                                       <p:cBhvr additive="base">
-                                        <p:cTn id="14" dur="500" fill="hold"/>
+                                        <p:cTn id="27" dur="500" fill="hold"/>
                                         <p:tgtEl>
                                           <p:spTgt spid="6"/>
                                         </p:tgtEl>
@@ -18516,6 +19843,10 @@
         </p:cTn>
       </p:par>
     </p:tnLst>
+    <p:bldLst>
+      <p:bldP spid="9" grpId="0" animBg="1"/>
+      <p:bldP spid="10" grpId="0" animBg="1"/>
+    </p:bldLst>
   </p:timing>
 </p:sld>
 </file>
@@ -21153,7 +22484,7 @@
             </a:pPr>
             <a:r>
               <a:rPr lang="en-US" sz="2400" dirty="0"/>
-              <a:t>Then change call to </a:t>
+              <a:t>Then change the existing call to </a:t>
             </a:r>
             <a:r>
               <a:rPr lang="en-US" sz="2400" b="1" dirty="0" err="1"/>
@@ -21165,7 +22496,7 @@
             </a:r>
             <a:r>
               <a:rPr lang="en-US" sz="2400" dirty="0"/>
-              <a:t> as follows, and run the app </a:t>
+              <a:t> as follows – be sure to run the app </a:t>
             </a:r>
             <a:r>
               <a:rPr lang="en-US" sz="2400" b="1" dirty="0">
@@ -22098,6 +23429,85 @@
           </a:p>
         </p:txBody>
       </p:sp>
+      <p:sp>
+        <p:nvSpPr>
+          <p:cNvPr id="5" name="TextBox 4">
+            <a:extLst>
+              <a:ext uri="{FF2B5EF4-FFF2-40B4-BE49-F238E27FC236}">
+                <a16:creationId xmlns:a16="http://schemas.microsoft.com/office/drawing/2014/main" id="{0FBFC645-A997-4AF1-ABD1-DC7746DCACD4}"/>
+              </a:ext>
+            </a:extLst>
+          </p:cNvPr>
+          <p:cNvSpPr txBox="1"/>
+          <p:nvPr/>
+        </p:nvSpPr>
+        <p:spPr>
+          <a:xfrm>
+            <a:off x="2320106" y="5479026"/>
+            <a:ext cx="4503789" cy="923330"/>
+          </a:xfrm>
+          <a:prstGeom prst="rect">
+            <a:avLst/>
+          </a:prstGeom>
+          <a:noFill/>
+        </p:spPr>
+        <p:txBody>
+          <a:bodyPr wrap="square" rtlCol="0">
+            <a:spAutoFit/>
+          </a:bodyPr>
+          <a:lstStyle/>
+          <a:p>
+            <a:r>
+              <a:rPr lang="en-US" dirty="0"/>
+              <a:t>Note:</a:t>
+            </a:r>
+          </a:p>
+          <a:p>
+            <a:pPr marL="285750" indent="-285750">
+              <a:buFont typeface="Arial" panose="020B0604020202020204" pitchFamily="34" charset="0"/>
+              <a:buChar char="•"/>
+            </a:pPr>
+            <a:r>
+              <a:rPr lang="en-US" dirty="0"/>
+              <a:t>Circle </a:t>
+            </a:r>
+            <a:r>
+              <a:rPr lang="en-US" b="1" dirty="0"/>
+              <a:t>radius</a:t>
+            </a:r>
+            <a:r>
+              <a:rPr lang="en-US" dirty="0"/>
+              <a:t> is given in world coordinates</a:t>
+            </a:r>
+          </a:p>
+          <a:p>
+            <a:pPr marL="285750" indent="-285750">
+              <a:buFont typeface="Arial" panose="020B0604020202020204" pitchFamily="34" charset="0"/>
+              <a:buChar char="•"/>
+            </a:pPr>
+            <a:r>
+              <a:rPr lang="en-US" dirty="0"/>
+              <a:t>Border </a:t>
+            </a:r>
+            <a:r>
+              <a:rPr lang="en-US" b="1" dirty="0"/>
+              <a:t>width</a:t>
+            </a:r>
+            <a:r>
+              <a:rPr lang="en-US" dirty="0"/>
+              <a:t> is given in </a:t>
+            </a:r>
+            <a:r>
+              <a:rPr lang="en-US" i="1" dirty="0"/>
+              <a:t>screen</a:t>
+            </a:r>
+            <a:r>
+              <a:rPr lang="en-US" dirty="0"/>
+              <a:t> coordinates</a:t>
+            </a:r>
+          </a:p>
+        </p:txBody>
+      </p:sp>
     </p:spTree>
     <p:extLst>
       <p:ext uri="{BB962C8B-B14F-4D97-AF65-F5344CB8AC3E}">
@@ -23209,6 +24619,86 @@
           </a:fontRef>
         </p:style>
       </p:cxnSp>
+      <p:sp>
+        <p:nvSpPr>
+          <p:cNvPr id="9" name="TextBox 8">
+            <a:extLst>
+              <a:ext uri="{FF2B5EF4-FFF2-40B4-BE49-F238E27FC236}">
+                <a16:creationId xmlns:a16="http://schemas.microsoft.com/office/drawing/2014/main" id="{504B1438-3ABC-4783-85AE-E648E98F2A29}"/>
+              </a:ext>
+            </a:extLst>
+          </p:cNvPr>
+          <p:cNvSpPr txBox="1"/>
+          <p:nvPr/>
+        </p:nvSpPr>
+        <p:spPr>
+          <a:xfrm>
+            <a:off x="3820208" y="1859822"/>
+            <a:ext cx="4503789" cy="646331"/>
+          </a:xfrm>
+          <a:prstGeom prst="rect">
+            <a:avLst/>
+          </a:prstGeom>
+          <a:solidFill>
+            <a:schemeClr val="bg1"/>
+          </a:solidFill>
+          <a:ln>
+            <a:solidFill>
+              <a:schemeClr val="tx1"/>
+            </a:solidFill>
+          </a:ln>
+        </p:spPr>
+        <p:txBody>
+          <a:bodyPr wrap="square" rtlCol="0">
+            <a:spAutoFit/>
+          </a:bodyPr>
+          <a:lstStyle/>
+          <a:p>
+            <a:pPr marL="285750" indent="-285750">
+              <a:buFont typeface="Arial" panose="020B0604020202020204" pitchFamily="34" charset="0"/>
+              <a:buChar char="•"/>
+            </a:pPr>
+            <a:r>
+              <a:rPr lang="en-US" dirty="0"/>
+              <a:t>Circle </a:t>
+            </a:r>
+            <a:r>
+              <a:rPr lang="en-US" b="1" dirty="0"/>
+              <a:t>radius</a:t>
+            </a:r>
+            <a:r>
+              <a:rPr lang="en-US" dirty="0"/>
+              <a:t> is given in world coordinates</a:t>
+            </a:r>
+          </a:p>
+          <a:p>
+            <a:pPr marL="285750" indent="-285750">
+              <a:buFont typeface="Arial" panose="020B0604020202020204" pitchFamily="34" charset="0"/>
+              <a:buChar char="•"/>
+            </a:pPr>
+            <a:r>
+              <a:rPr lang="en-US" dirty="0"/>
+              <a:t>Border </a:t>
+            </a:r>
+            <a:r>
+              <a:rPr lang="en-US" b="1" dirty="0"/>
+              <a:t>width</a:t>
+            </a:r>
+            <a:r>
+              <a:rPr lang="en-US" dirty="0"/>
+              <a:t> is given in </a:t>
+            </a:r>
+            <a:r>
+              <a:rPr lang="en-US" i="1" dirty="0"/>
+              <a:t>screen</a:t>
+            </a:r>
+            <a:r>
+              <a:rPr lang="en-US" dirty="0"/>
+              <a:t> coordinates</a:t>
+            </a:r>
+          </a:p>
+        </p:txBody>
+      </p:sp>
     </p:spTree>
     <p:extLst>
       <p:ext uri="{BB962C8B-B14F-4D97-AF65-F5344CB8AC3E}">
